--- a/docs/Présentation_Data_Mining.pptx
+++ b/docs/Présentation_Data_Mining.pptx
@@ -5,7 +5,7 @@
     <p:sldMasterId id="2147483648" r:id="rId1"/>
   </p:sldMasterIdLst>
   <p:notesMasterIdLst>
-    <p:notesMasterId r:id="rId17"/>
+    <p:notesMasterId r:id="rId18"/>
   </p:notesMasterIdLst>
   <p:sldIdLst>
     <p:sldId id="256" r:id="rId2"/>
@@ -23,6 +23,7 @@
     <p:sldId id="271" r:id="rId14"/>
     <p:sldId id="272" r:id="rId15"/>
     <p:sldId id="268" r:id="rId16"/>
+    <p:sldId id="273" r:id="rId17"/>
   </p:sldIdLst>
   <p:sldSz cx="12192000" cy="6858000"/>
   <p:notesSz cx="6858000" cy="9144000"/>
@@ -211,7 +212,7 @@
           <a:p>
             <a:fld id="{CD38C374-568E-4773-89E5-24DB29D38D4D}" type="datetimeFigureOut">
               <a:rPr lang="fr-CH" smtClean="0"/>
-              <a:t>26.06.2019</a:t>
+              <a:t>27.06.2019</a:t>
             </a:fld>
             <a:endParaRPr lang="fr-CH"/>
           </a:p>
@@ -479,6 +480,2389 @@
 </p:notesMaster>
 </file>
 
+<file path=ppt/notesSlides/notesSlide1.xml><?xml version="1.0" encoding="utf-8"?>
+<p:notes xmlns:a="http://schemas.openxmlformats.org/drawingml/2006/main" xmlns:r="http://schemas.openxmlformats.org/officeDocument/2006/relationships" xmlns:p="http://schemas.openxmlformats.org/presentationml/2006/main">
+  <p:cSld>
+    <p:spTree>
+      <p:nvGrpSpPr>
+        <p:cNvPr id="1" name=""/>
+        <p:cNvGrpSpPr/>
+        <p:nvPr/>
+      </p:nvGrpSpPr>
+      <p:grpSpPr>
+        <a:xfrm>
+          <a:off x="0" y="0"/>
+          <a:ext cx="0" cy="0"/>
+          <a:chOff x="0" y="0"/>
+          <a:chExt cx="0" cy="0"/>
+        </a:xfrm>
+      </p:grpSpPr>
+      <p:sp>
+        <p:nvSpPr>
+          <p:cNvPr id="2" name="Espace réservé de l'image des diapositives 1"/>
+          <p:cNvSpPr>
+            <a:spLocks noGrp="1" noRot="1" noChangeAspect="1"/>
+          </p:cNvSpPr>
+          <p:nvPr>
+            <p:ph type="sldImg"/>
+          </p:nvPr>
+        </p:nvSpPr>
+        <p:spPr/>
+      </p:sp>
+      <p:sp>
+        <p:nvSpPr>
+          <p:cNvPr id="3" name="Espace réservé des notes 2"/>
+          <p:cNvSpPr>
+            <a:spLocks noGrp="1"/>
+          </p:cNvSpPr>
+          <p:nvPr>
+            <p:ph type="body" idx="1"/>
+          </p:nvPr>
+        </p:nvSpPr>
+        <p:spPr/>
+        <p:txBody>
+          <a:bodyPr/>
+          <a:lstStyle/>
+          <a:p>
+            <a:r>
+              <a:rPr lang="fr-CH"/>
+              <a:t>Bonjour</a:t>
+            </a:r>
+            <a:endParaRPr lang="fr-CH" dirty="0"/>
+          </a:p>
+        </p:txBody>
+      </p:sp>
+      <p:sp>
+        <p:nvSpPr>
+          <p:cNvPr id="4" name="Espace réservé du numéro de diapositive 3"/>
+          <p:cNvSpPr>
+            <a:spLocks noGrp="1"/>
+          </p:cNvSpPr>
+          <p:nvPr>
+            <p:ph type="sldNum" sz="quarter" idx="5"/>
+          </p:nvPr>
+        </p:nvSpPr>
+        <p:spPr/>
+        <p:txBody>
+          <a:bodyPr/>
+          <a:lstStyle/>
+          <a:p>
+            <a:fld id="{EA09D15A-A690-48C5-831F-EB8D1A27C682}" type="slidenum">
+              <a:rPr lang="fr-CH" smtClean="0"/>
+              <a:t>1</a:t>
+            </a:fld>
+            <a:endParaRPr lang="fr-CH"/>
+          </a:p>
+        </p:txBody>
+      </p:sp>
+    </p:spTree>
+    <p:extLst>
+      <p:ext uri="{BB962C8B-B14F-4D97-AF65-F5344CB8AC3E}">
+        <p14:creationId xmlns:p14="http://schemas.microsoft.com/office/powerpoint/2010/main" val="2012068898"/>
+      </p:ext>
+    </p:extLst>
+  </p:cSld>
+  <p:clrMapOvr>
+    <a:masterClrMapping/>
+  </p:clrMapOvr>
+</p:notes>
+</file>
+
+<file path=ppt/notesSlides/notesSlide10.xml><?xml version="1.0" encoding="utf-8"?>
+<p:notes xmlns:a="http://schemas.openxmlformats.org/drawingml/2006/main" xmlns:r="http://schemas.openxmlformats.org/officeDocument/2006/relationships" xmlns:p="http://schemas.openxmlformats.org/presentationml/2006/main">
+  <p:cSld>
+    <p:spTree>
+      <p:nvGrpSpPr>
+        <p:cNvPr id="1" name=""/>
+        <p:cNvGrpSpPr/>
+        <p:nvPr/>
+      </p:nvGrpSpPr>
+      <p:grpSpPr>
+        <a:xfrm>
+          <a:off x="0" y="0"/>
+          <a:ext cx="0" cy="0"/>
+          <a:chOff x="0" y="0"/>
+          <a:chExt cx="0" cy="0"/>
+        </a:xfrm>
+      </p:grpSpPr>
+      <p:sp>
+        <p:nvSpPr>
+          <p:cNvPr id="2" name="Espace réservé de l'image des diapositives 1"/>
+          <p:cNvSpPr>
+            <a:spLocks noGrp="1" noRot="1" noChangeAspect="1"/>
+          </p:cNvSpPr>
+          <p:nvPr>
+            <p:ph type="sldImg"/>
+          </p:nvPr>
+        </p:nvSpPr>
+        <p:spPr/>
+      </p:sp>
+      <p:sp>
+        <p:nvSpPr>
+          <p:cNvPr id="3" name="Espace réservé des notes 2"/>
+          <p:cNvSpPr>
+            <a:spLocks noGrp="1"/>
+          </p:cNvSpPr>
+          <p:nvPr>
+            <p:ph type="body" idx="1"/>
+          </p:nvPr>
+        </p:nvSpPr>
+        <p:spPr/>
+        <p:txBody>
+          <a:bodyPr/>
+          <a:lstStyle/>
+          <a:p>
+            <a:pPr marL="171450" indent="-171450">
+              <a:buFontTx/>
+              <a:buChar char="-"/>
+            </a:pPr>
+            <a:r>
+              <a:rPr lang="fr-CH" dirty="0"/>
+              <a:t>Pour calculer les score on a repris la formule donnée par </a:t>
+            </a:r>
+            <a:r>
+              <a:rPr lang="fr-CH" dirty="0" err="1"/>
+              <a:t>sofamehack</a:t>
+            </a:r>
+            <a:endParaRPr lang="fr-CH" dirty="0"/>
+          </a:p>
+          <a:p>
+            <a:pPr marL="171450" indent="-171450">
+              <a:buFontTx/>
+              <a:buChar char="-"/>
+            </a:pPr>
+            <a:r>
+              <a:rPr lang="fr-CH" dirty="0"/>
+              <a:t>C’est assez punitif car on prend l’exponentiel de la distance entre un évent prédit et un évent réellement réalisé (rouge)</a:t>
+            </a:r>
+          </a:p>
+          <a:p>
+            <a:pPr marL="171450" indent="-171450">
+              <a:buFontTx/>
+              <a:buChar char="-"/>
+            </a:pPr>
+            <a:r>
+              <a:rPr lang="fr-CH" dirty="0"/>
+              <a:t>Ainsi si on loupe un événement de beaucoup de frame alors notre score augmente considérablement</a:t>
+            </a:r>
+          </a:p>
+          <a:p>
+            <a:pPr marL="171450" indent="-171450">
+              <a:buFontTx/>
+              <a:buChar char="-"/>
+            </a:pPr>
+            <a:r>
+              <a:rPr lang="fr-CH" dirty="0"/>
+              <a:t>Ex : Mauvaise prédiction de 40 frames du coup rajoute un terme : </a:t>
+            </a:r>
+            <a:r>
+              <a:rPr lang="fr-CH" dirty="0" err="1"/>
+              <a:t>exp</a:t>
+            </a:r>
+            <a:r>
+              <a:rPr lang="fr-CH" dirty="0"/>
+              <a:t>(40)</a:t>
+            </a:r>
+          </a:p>
+          <a:p>
+            <a:pPr marL="171450" indent="-171450">
+              <a:buFontTx/>
+              <a:buChar char="-"/>
+            </a:pPr>
+            <a:r>
+              <a:rPr lang="fr-CH" dirty="0"/>
+              <a:t>On a un score par pathologie (CP – FD - ITW) </a:t>
+            </a:r>
+          </a:p>
+          <a:p>
+            <a:pPr marL="171450" indent="-171450">
+              <a:buFontTx/>
+              <a:buChar char="-"/>
+            </a:pPr>
+            <a:r>
+              <a:rPr lang="fr-CH" dirty="0"/>
+              <a:t>Pour chaque pathologie on calcule le score concernant les FO et FS (+ global)</a:t>
+            </a:r>
+          </a:p>
+        </p:txBody>
+      </p:sp>
+      <p:sp>
+        <p:nvSpPr>
+          <p:cNvPr id="4" name="Espace réservé du numéro de diapositive 3"/>
+          <p:cNvSpPr>
+            <a:spLocks noGrp="1"/>
+          </p:cNvSpPr>
+          <p:nvPr>
+            <p:ph type="sldNum" sz="quarter" idx="5"/>
+          </p:nvPr>
+        </p:nvSpPr>
+        <p:spPr/>
+        <p:txBody>
+          <a:bodyPr/>
+          <a:lstStyle/>
+          <a:p>
+            <a:fld id="{EA09D15A-A690-48C5-831F-EB8D1A27C682}" type="slidenum">
+              <a:rPr lang="fr-CH" smtClean="0"/>
+              <a:t>10</a:t>
+            </a:fld>
+            <a:endParaRPr lang="fr-CH"/>
+          </a:p>
+        </p:txBody>
+      </p:sp>
+    </p:spTree>
+    <p:extLst>
+      <p:ext uri="{BB962C8B-B14F-4D97-AF65-F5344CB8AC3E}">
+        <p14:creationId xmlns:p14="http://schemas.microsoft.com/office/powerpoint/2010/main" val="507564347"/>
+      </p:ext>
+    </p:extLst>
+  </p:cSld>
+  <p:clrMapOvr>
+    <a:masterClrMapping/>
+  </p:clrMapOvr>
+</p:notes>
+</file>
+
+<file path=ppt/notesSlides/notesSlide11.xml><?xml version="1.0" encoding="utf-8"?>
+<p:notes xmlns:a="http://schemas.openxmlformats.org/drawingml/2006/main" xmlns:r="http://schemas.openxmlformats.org/officeDocument/2006/relationships" xmlns:p="http://schemas.openxmlformats.org/presentationml/2006/main">
+  <p:cSld>
+    <p:spTree>
+      <p:nvGrpSpPr>
+        <p:cNvPr id="1" name=""/>
+        <p:cNvGrpSpPr/>
+        <p:nvPr/>
+      </p:nvGrpSpPr>
+      <p:grpSpPr>
+        <a:xfrm>
+          <a:off x="0" y="0"/>
+          <a:ext cx="0" cy="0"/>
+          <a:chOff x="0" y="0"/>
+          <a:chExt cx="0" cy="0"/>
+        </a:xfrm>
+      </p:grpSpPr>
+      <p:sp>
+        <p:nvSpPr>
+          <p:cNvPr id="2" name="Espace réservé de l'image des diapositives 1"/>
+          <p:cNvSpPr>
+            <a:spLocks noGrp="1" noRot="1" noChangeAspect="1"/>
+          </p:cNvSpPr>
+          <p:nvPr>
+            <p:ph type="sldImg"/>
+          </p:nvPr>
+        </p:nvSpPr>
+        <p:spPr/>
+      </p:sp>
+      <p:sp>
+        <p:nvSpPr>
+          <p:cNvPr id="3" name="Espace réservé des notes 2"/>
+          <p:cNvSpPr>
+            <a:spLocks noGrp="1"/>
+          </p:cNvSpPr>
+          <p:nvPr>
+            <p:ph type="body" idx="1"/>
+          </p:nvPr>
+        </p:nvSpPr>
+        <p:spPr/>
+        <p:txBody>
+          <a:bodyPr/>
+          <a:lstStyle/>
+          <a:p>
+            <a:pPr marL="171450" indent="-171450">
+              <a:buFontTx/>
+              <a:buChar char="-"/>
+            </a:pPr>
+            <a:r>
+              <a:rPr lang="fr-CH" dirty="0"/>
+              <a:t>On a séparé en trois les fichiers pour chaque maladie car on a assez peu de donnée</a:t>
+            </a:r>
+          </a:p>
+          <a:p>
+            <a:pPr marL="171450" indent="-171450">
+              <a:buFontTx/>
+              <a:buChar char="-"/>
+            </a:pPr>
+            <a:r>
+              <a:rPr lang="fr-CH" dirty="0"/>
+              <a:t>1/3 : test – 2/3 train</a:t>
+            </a:r>
+          </a:p>
+          <a:p>
+            <a:pPr marL="171450" indent="-171450">
+              <a:buFontTx/>
+              <a:buChar char="-"/>
+            </a:pPr>
+            <a:r>
+              <a:rPr lang="fr-CH" dirty="0"/>
+              <a:t>On a calculé le score pour les 3 tests </a:t>
+            </a:r>
+          </a:p>
+          <a:p>
+            <a:pPr marL="171450" indent="-171450">
+              <a:buFontTx/>
+              <a:buChar char="-"/>
+            </a:pPr>
+            <a:r>
+              <a:rPr lang="fr-CH" dirty="0"/>
+              <a:t>On en a fait la moyenne </a:t>
+            </a:r>
+          </a:p>
+          <a:p>
+            <a:pPr marL="171450" indent="-171450">
+              <a:buFontTx/>
+              <a:buChar char="-"/>
+            </a:pPr>
+            <a:r>
+              <a:rPr lang="fr-CH" dirty="0"/>
+              <a:t>-&gt; transition slide : Patrick va présenter plus en détail les scores obtenues pour chaque maladie</a:t>
+            </a:r>
+          </a:p>
+        </p:txBody>
+      </p:sp>
+      <p:sp>
+        <p:nvSpPr>
+          <p:cNvPr id="4" name="Espace réservé du numéro de diapositive 3"/>
+          <p:cNvSpPr>
+            <a:spLocks noGrp="1"/>
+          </p:cNvSpPr>
+          <p:nvPr>
+            <p:ph type="sldNum" sz="quarter" idx="5"/>
+          </p:nvPr>
+        </p:nvSpPr>
+        <p:spPr/>
+        <p:txBody>
+          <a:bodyPr/>
+          <a:lstStyle/>
+          <a:p>
+            <a:fld id="{EA09D15A-A690-48C5-831F-EB8D1A27C682}" type="slidenum">
+              <a:rPr lang="fr-CH" smtClean="0"/>
+              <a:t>11</a:t>
+            </a:fld>
+            <a:endParaRPr lang="fr-CH"/>
+          </a:p>
+        </p:txBody>
+      </p:sp>
+    </p:spTree>
+    <p:extLst>
+      <p:ext uri="{BB962C8B-B14F-4D97-AF65-F5344CB8AC3E}">
+        <p14:creationId xmlns:p14="http://schemas.microsoft.com/office/powerpoint/2010/main" val="2083188714"/>
+      </p:ext>
+    </p:extLst>
+  </p:cSld>
+  <p:clrMapOvr>
+    <a:masterClrMapping/>
+  </p:clrMapOvr>
+</p:notes>
+</file>
+
+<file path=ppt/notesSlides/notesSlide12.xml><?xml version="1.0" encoding="utf-8"?>
+<p:notes xmlns:a="http://schemas.openxmlformats.org/drawingml/2006/main" xmlns:r="http://schemas.openxmlformats.org/officeDocument/2006/relationships" xmlns:p="http://schemas.openxmlformats.org/presentationml/2006/main">
+  <p:cSld>
+    <p:spTree>
+      <p:nvGrpSpPr>
+        <p:cNvPr id="1" name=""/>
+        <p:cNvGrpSpPr/>
+        <p:nvPr/>
+      </p:nvGrpSpPr>
+      <p:grpSpPr>
+        <a:xfrm>
+          <a:off x="0" y="0"/>
+          <a:ext cx="0" cy="0"/>
+          <a:chOff x="0" y="0"/>
+          <a:chExt cx="0" cy="0"/>
+        </a:xfrm>
+      </p:grpSpPr>
+      <p:sp>
+        <p:nvSpPr>
+          <p:cNvPr id="2" name="Espace réservé de l'image des diapositives 1"/>
+          <p:cNvSpPr>
+            <a:spLocks noGrp="1" noRot="1" noChangeAspect="1"/>
+          </p:cNvSpPr>
+          <p:nvPr>
+            <p:ph type="sldImg"/>
+          </p:nvPr>
+        </p:nvSpPr>
+        <p:spPr/>
+      </p:sp>
+      <p:sp>
+        <p:nvSpPr>
+          <p:cNvPr id="3" name="Espace réservé des notes 2"/>
+          <p:cNvSpPr>
+            <a:spLocks noGrp="1"/>
+          </p:cNvSpPr>
+          <p:nvPr>
+            <p:ph type="body" idx="1"/>
+          </p:nvPr>
+        </p:nvSpPr>
+        <p:spPr/>
+        <p:txBody>
+          <a:bodyPr/>
+          <a:lstStyle/>
+          <a:p>
+            <a:pPr marL="171450" indent="-171450">
+              <a:buFontTx/>
+              <a:buChar char="-"/>
+            </a:pPr>
+            <a:r>
+              <a:rPr lang="fr-CH" dirty="0"/>
+              <a:t>Pour CP :</a:t>
+            </a:r>
+          </a:p>
+          <a:p>
+            <a:pPr marL="171450" indent="-171450">
+              <a:buFontTx/>
+              <a:buChar char="-"/>
+            </a:pPr>
+            <a:r>
+              <a:rPr lang="fr-CH" dirty="0"/>
+              <a:t>Capteurs utilisés : HEE – ANK – TOE – DIFFERENCE</a:t>
+            </a:r>
+          </a:p>
+          <a:p>
+            <a:pPr marL="171450" indent="-171450">
+              <a:buFontTx/>
+              <a:buChar char="-"/>
+            </a:pPr>
+            <a:r>
+              <a:rPr lang="fr-CH" dirty="0"/>
+              <a:t>Résultats obtenus : pour permutation 2 et 3 - les résultats sont correct ~ 10^5 – 10^9</a:t>
+            </a:r>
+          </a:p>
+          <a:p>
+            <a:pPr marL="1371600" lvl="3" indent="0">
+              <a:buFontTx/>
+              <a:buNone/>
+            </a:pPr>
+            <a:r>
+              <a:rPr lang="fr-CH" dirty="0"/>
+              <a:t>Cependant dans la 1 – un cas est très différent et la prédiction est mauvaise</a:t>
+            </a:r>
+          </a:p>
+          <a:p>
+            <a:pPr marL="1371600" lvl="3" indent="0">
+              <a:buFontTx/>
+              <a:buNone/>
+            </a:pPr>
+            <a:r>
+              <a:rPr lang="fr-CH" dirty="0"/>
+              <a:t>Score global est biaisé à 10^16</a:t>
+            </a:r>
+          </a:p>
+        </p:txBody>
+      </p:sp>
+      <p:sp>
+        <p:nvSpPr>
+          <p:cNvPr id="4" name="Espace réservé du numéro de diapositive 3"/>
+          <p:cNvSpPr>
+            <a:spLocks noGrp="1"/>
+          </p:cNvSpPr>
+          <p:nvPr>
+            <p:ph type="sldNum" sz="quarter" idx="5"/>
+          </p:nvPr>
+        </p:nvSpPr>
+        <p:spPr/>
+        <p:txBody>
+          <a:bodyPr/>
+          <a:lstStyle/>
+          <a:p>
+            <a:fld id="{EA09D15A-A690-48C5-831F-EB8D1A27C682}" type="slidenum">
+              <a:rPr lang="fr-CH" smtClean="0"/>
+              <a:t>12</a:t>
+            </a:fld>
+            <a:endParaRPr lang="fr-CH"/>
+          </a:p>
+        </p:txBody>
+      </p:sp>
+    </p:spTree>
+    <p:extLst>
+      <p:ext uri="{BB962C8B-B14F-4D97-AF65-F5344CB8AC3E}">
+        <p14:creationId xmlns:p14="http://schemas.microsoft.com/office/powerpoint/2010/main" val="3145998505"/>
+      </p:ext>
+    </p:extLst>
+  </p:cSld>
+  <p:clrMapOvr>
+    <a:masterClrMapping/>
+  </p:clrMapOvr>
+</p:notes>
+</file>
+
+<file path=ppt/notesSlides/notesSlide13.xml><?xml version="1.0" encoding="utf-8"?>
+<p:notes xmlns:a="http://schemas.openxmlformats.org/drawingml/2006/main" xmlns:r="http://schemas.openxmlformats.org/officeDocument/2006/relationships" xmlns:p="http://schemas.openxmlformats.org/presentationml/2006/main">
+  <p:cSld>
+    <p:spTree>
+      <p:nvGrpSpPr>
+        <p:cNvPr id="1" name=""/>
+        <p:cNvGrpSpPr/>
+        <p:nvPr/>
+      </p:nvGrpSpPr>
+      <p:grpSpPr>
+        <a:xfrm>
+          <a:off x="0" y="0"/>
+          <a:ext cx="0" cy="0"/>
+          <a:chOff x="0" y="0"/>
+          <a:chExt cx="0" cy="0"/>
+        </a:xfrm>
+      </p:grpSpPr>
+      <p:sp>
+        <p:nvSpPr>
+          <p:cNvPr id="2" name="Espace réservé de l'image des diapositives 1"/>
+          <p:cNvSpPr>
+            <a:spLocks noGrp="1" noRot="1" noChangeAspect="1"/>
+          </p:cNvSpPr>
+          <p:nvPr>
+            <p:ph type="sldImg"/>
+          </p:nvPr>
+        </p:nvSpPr>
+        <p:spPr/>
+      </p:sp>
+      <p:sp>
+        <p:nvSpPr>
+          <p:cNvPr id="3" name="Espace réservé des notes 2"/>
+          <p:cNvSpPr>
+            <a:spLocks noGrp="1"/>
+          </p:cNvSpPr>
+          <p:nvPr>
+            <p:ph type="body" idx="1"/>
+          </p:nvPr>
+        </p:nvSpPr>
+        <p:spPr/>
+        <p:txBody>
+          <a:bodyPr/>
+          <a:lstStyle/>
+          <a:p>
+            <a:pPr marL="171450" indent="-171450">
+              <a:buFontTx/>
+              <a:buChar char="-"/>
+            </a:pPr>
+            <a:r>
+              <a:rPr lang="fr-CH" dirty="0"/>
+              <a:t>Pour FD :</a:t>
+            </a:r>
+          </a:p>
+          <a:p>
+            <a:pPr marL="171450" indent="-171450">
+              <a:buFontTx/>
+              <a:buChar char="-"/>
+            </a:pPr>
+            <a:r>
+              <a:rPr lang="fr-CH" dirty="0"/>
+              <a:t>Capteurs utilisés : HEE – ANK – TOE</a:t>
+            </a:r>
+          </a:p>
+          <a:p>
+            <a:pPr marL="171450" indent="-171450">
+              <a:buFontTx/>
+              <a:buChar char="-"/>
+            </a:pPr>
+            <a:r>
+              <a:rPr lang="fr-CH" dirty="0"/>
+              <a:t>Résultats obtenus : bon résultat</a:t>
+            </a:r>
+          </a:p>
+          <a:p>
+            <a:pPr marL="1371600" lvl="3" indent="0">
+              <a:buFontTx/>
+              <a:buNone/>
+            </a:pPr>
+            <a:r>
+              <a:rPr lang="fr-CH" dirty="0"/>
+              <a:t>Score global est de l’ordre 10^6 – algo fonctionne bien</a:t>
+            </a:r>
+          </a:p>
+        </p:txBody>
+      </p:sp>
+      <p:sp>
+        <p:nvSpPr>
+          <p:cNvPr id="4" name="Espace réservé du numéro de diapositive 3"/>
+          <p:cNvSpPr>
+            <a:spLocks noGrp="1"/>
+          </p:cNvSpPr>
+          <p:nvPr>
+            <p:ph type="sldNum" sz="quarter" idx="5"/>
+          </p:nvPr>
+        </p:nvSpPr>
+        <p:spPr/>
+        <p:txBody>
+          <a:bodyPr/>
+          <a:lstStyle/>
+          <a:p>
+            <a:fld id="{EA09D15A-A690-48C5-831F-EB8D1A27C682}" type="slidenum">
+              <a:rPr lang="fr-CH" smtClean="0"/>
+              <a:t>13</a:t>
+            </a:fld>
+            <a:endParaRPr lang="fr-CH"/>
+          </a:p>
+        </p:txBody>
+      </p:sp>
+    </p:spTree>
+    <p:extLst>
+      <p:ext uri="{BB962C8B-B14F-4D97-AF65-F5344CB8AC3E}">
+        <p14:creationId xmlns:p14="http://schemas.microsoft.com/office/powerpoint/2010/main" val="2019522442"/>
+      </p:ext>
+    </p:extLst>
+  </p:cSld>
+  <p:clrMapOvr>
+    <a:masterClrMapping/>
+  </p:clrMapOvr>
+</p:notes>
+</file>
+
+<file path=ppt/notesSlides/notesSlide14.xml><?xml version="1.0" encoding="utf-8"?>
+<p:notes xmlns:a="http://schemas.openxmlformats.org/drawingml/2006/main" xmlns:r="http://schemas.openxmlformats.org/officeDocument/2006/relationships" xmlns:p="http://schemas.openxmlformats.org/presentationml/2006/main">
+  <p:cSld>
+    <p:spTree>
+      <p:nvGrpSpPr>
+        <p:cNvPr id="1" name=""/>
+        <p:cNvGrpSpPr/>
+        <p:nvPr/>
+      </p:nvGrpSpPr>
+      <p:grpSpPr>
+        <a:xfrm>
+          <a:off x="0" y="0"/>
+          <a:ext cx="0" cy="0"/>
+          <a:chOff x="0" y="0"/>
+          <a:chExt cx="0" cy="0"/>
+        </a:xfrm>
+      </p:grpSpPr>
+      <p:sp>
+        <p:nvSpPr>
+          <p:cNvPr id="2" name="Espace réservé de l'image des diapositives 1"/>
+          <p:cNvSpPr>
+            <a:spLocks noGrp="1" noRot="1" noChangeAspect="1"/>
+          </p:cNvSpPr>
+          <p:nvPr>
+            <p:ph type="sldImg"/>
+          </p:nvPr>
+        </p:nvSpPr>
+        <p:spPr/>
+      </p:sp>
+      <p:sp>
+        <p:nvSpPr>
+          <p:cNvPr id="3" name="Espace réservé des notes 2"/>
+          <p:cNvSpPr>
+            <a:spLocks noGrp="1"/>
+          </p:cNvSpPr>
+          <p:nvPr>
+            <p:ph type="body" idx="1"/>
+          </p:nvPr>
+        </p:nvSpPr>
+        <p:spPr/>
+        <p:txBody>
+          <a:bodyPr/>
+          <a:lstStyle/>
+          <a:p>
+            <a:pPr marL="171450" indent="-171450">
+              <a:buFontTx/>
+              <a:buChar char="-"/>
+            </a:pPr>
+            <a:r>
+              <a:rPr lang="fr-CH" dirty="0"/>
+              <a:t>Pour CP :</a:t>
+            </a:r>
+          </a:p>
+          <a:p>
+            <a:pPr marL="171450" indent="-171450">
+              <a:buFontTx/>
+              <a:buChar char="-"/>
+            </a:pPr>
+            <a:r>
+              <a:rPr lang="fr-CH" dirty="0"/>
+              <a:t>Capteurs utilisés : HEE – TOE – TIB – THI – DIFFERENCE</a:t>
+            </a:r>
+          </a:p>
+          <a:p>
+            <a:pPr marL="171450" indent="-171450">
+              <a:buFontTx/>
+              <a:buChar char="-"/>
+            </a:pPr>
+            <a:r>
+              <a:rPr lang="fr-CH" dirty="0"/>
+              <a:t>Résultats obtenus : Les résultats sont mauvais </a:t>
+            </a:r>
+          </a:p>
+          <a:p>
+            <a:pPr marL="1371600" lvl="3" indent="0">
+              <a:buFontTx/>
+              <a:buNone/>
+            </a:pPr>
+            <a:r>
+              <a:rPr lang="fr-CH" dirty="0"/>
+              <a:t>Score global est de 10^25</a:t>
+            </a:r>
+          </a:p>
+          <a:p>
+            <a:pPr marL="1371600" lvl="3" indent="0">
+              <a:buFontTx/>
+              <a:buNone/>
+            </a:pPr>
+            <a:r>
+              <a:rPr lang="fr-CH" dirty="0"/>
+              <a:t>Hypothèse c’est que les patients marchent différemment entre les 2 pieds (pointes) -&gt; On a fait apprendre nous sur les 2 pieds en même temps</a:t>
+            </a:r>
+          </a:p>
+          <a:p>
+            <a:endParaRPr lang="fr-CH" dirty="0"/>
+          </a:p>
+        </p:txBody>
+      </p:sp>
+      <p:sp>
+        <p:nvSpPr>
+          <p:cNvPr id="4" name="Espace réservé du numéro de diapositive 3"/>
+          <p:cNvSpPr>
+            <a:spLocks noGrp="1"/>
+          </p:cNvSpPr>
+          <p:nvPr>
+            <p:ph type="sldNum" sz="quarter" idx="5"/>
+          </p:nvPr>
+        </p:nvSpPr>
+        <p:spPr/>
+        <p:txBody>
+          <a:bodyPr/>
+          <a:lstStyle/>
+          <a:p>
+            <a:fld id="{EA09D15A-A690-48C5-831F-EB8D1A27C682}" type="slidenum">
+              <a:rPr lang="fr-CH" smtClean="0"/>
+              <a:t>14</a:t>
+            </a:fld>
+            <a:endParaRPr lang="fr-CH"/>
+          </a:p>
+        </p:txBody>
+      </p:sp>
+    </p:spTree>
+    <p:extLst>
+      <p:ext uri="{BB962C8B-B14F-4D97-AF65-F5344CB8AC3E}">
+        <p14:creationId xmlns:p14="http://schemas.microsoft.com/office/powerpoint/2010/main" val="1613048512"/>
+      </p:ext>
+    </p:extLst>
+  </p:cSld>
+  <p:clrMapOvr>
+    <a:masterClrMapping/>
+  </p:clrMapOvr>
+</p:notes>
+</file>
+
+<file path=ppt/notesSlides/notesSlide15.xml><?xml version="1.0" encoding="utf-8"?>
+<p:notes xmlns:a="http://schemas.openxmlformats.org/drawingml/2006/main" xmlns:r="http://schemas.openxmlformats.org/officeDocument/2006/relationships" xmlns:p="http://schemas.openxmlformats.org/presentationml/2006/main">
+  <p:cSld>
+    <p:spTree>
+      <p:nvGrpSpPr>
+        <p:cNvPr id="1" name=""/>
+        <p:cNvGrpSpPr/>
+        <p:nvPr/>
+      </p:nvGrpSpPr>
+      <p:grpSpPr>
+        <a:xfrm>
+          <a:off x="0" y="0"/>
+          <a:ext cx="0" cy="0"/>
+          <a:chOff x="0" y="0"/>
+          <a:chExt cx="0" cy="0"/>
+        </a:xfrm>
+      </p:grpSpPr>
+      <p:sp>
+        <p:nvSpPr>
+          <p:cNvPr id="2" name="Espace réservé de l'image des diapositives 1"/>
+          <p:cNvSpPr>
+            <a:spLocks noGrp="1" noRot="1" noChangeAspect="1"/>
+          </p:cNvSpPr>
+          <p:nvPr>
+            <p:ph type="sldImg"/>
+          </p:nvPr>
+        </p:nvSpPr>
+        <p:spPr/>
+      </p:sp>
+      <p:sp>
+        <p:nvSpPr>
+          <p:cNvPr id="3" name="Espace réservé des notes 2"/>
+          <p:cNvSpPr>
+            <a:spLocks noGrp="1"/>
+          </p:cNvSpPr>
+          <p:nvPr>
+            <p:ph type="body" idx="1"/>
+          </p:nvPr>
+        </p:nvSpPr>
+        <p:spPr/>
+        <p:txBody>
+          <a:bodyPr/>
+          <a:lstStyle/>
+          <a:p>
+            <a:pPr marL="171450" indent="-171450">
+              <a:buFontTx/>
+              <a:buChar char="-"/>
+            </a:pPr>
+            <a:r>
+              <a:rPr lang="fr-CH" dirty="0"/>
+              <a:t>Pour améliorer notre algorithme:</a:t>
+            </a:r>
+          </a:p>
+          <a:p>
+            <a:pPr marL="171450" indent="-171450">
+              <a:buFontTx/>
+              <a:buChar char="-"/>
+            </a:pPr>
+            <a:r>
+              <a:rPr lang="fr-CH" dirty="0"/>
+              <a:t>1 )  Pas assez de données pour apprendre : le nombre de fichiers par maladie est entre 20 pour ITW et 45 pour les CP . Et on a peu d’annotation par ficher</a:t>
+            </a:r>
+          </a:p>
+          <a:p>
+            <a:pPr marL="171450" indent="-171450">
+              <a:buFontTx/>
+              <a:buChar char="-"/>
+            </a:pPr>
+            <a:r>
+              <a:rPr lang="fr-CH" dirty="0"/>
+              <a:t>2 )  On peut essayer d’autres combinaisons de capteurs et appliquer des opérations dessus (comme pour diff) – On a pas tout testé</a:t>
+            </a:r>
+          </a:p>
+          <a:p>
+            <a:pPr marL="171450" indent="-171450">
+              <a:buFontTx/>
+              <a:buChar char="-"/>
+            </a:pPr>
+            <a:r>
+              <a:rPr lang="fr-CH" dirty="0"/>
+              <a:t>3 )  Notre méthode de remplissage lorsqu’on obtient plusieurs fois les même label n’est pas optimale si trop peu de prédiction</a:t>
+            </a:r>
+          </a:p>
+        </p:txBody>
+      </p:sp>
+      <p:sp>
+        <p:nvSpPr>
+          <p:cNvPr id="4" name="Espace réservé du numéro de diapositive 3"/>
+          <p:cNvSpPr>
+            <a:spLocks noGrp="1"/>
+          </p:cNvSpPr>
+          <p:nvPr>
+            <p:ph type="sldNum" sz="quarter" idx="5"/>
+          </p:nvPr>
+        </p:nvSpPr>
+        <p:spPr/>
+        <p:txBody>
+          <a:bodyPr/>
+          <a:lstStyle/>
+          <a:p>
+            <a:fld id="{EA09D15A-A690-48C5-831F-EB8D1A27C682}" type="slidenum">
+              <a:rPr lang="fr-CH" smtClean="0"/>
+              <a:t>15</a:t>
+            </a:fld>
+            <a:endParaRPr lang="fr-CH"/>
+          </a:p>
+        </p:txBody>
+      </p:sp>
+    </p:spTree>
+    <p:extLst>
+      <p:ext uri="{BB962C8B-B14F-4D97-AF65-F5344CB8AC3E}">
+        <p14:creationId xmlns:p14="http://schemas.microsoft.com/office/powerpoint/2010/main" val="3468334844"/>
+      </p:ext>
+    </p:extLst>
+  </p:cSld>
+  <p:clrMapOvr>
+    <a:masterClrMapping/>
+  </p:clrMapOvr>
+</p:notes>
+</file>
+
+<file path=ppt/notesSlides/notesSlide16.xml><?xml version="1.0" encoding="utf-8"?>
+<p:notes xmlns:a="http://schemas.openxmlformats.org/drawingml/2006/main" xmlns:r="http://schemas.openxmlformats.org/officeDocument/2006/relationships" xmlns:p="http://schemas.openxmlformats.org/presentationml/2006/main">
+  <p:cSld>
+    <p:spTree>
+      <p:nvGrpSpPr>
+        <p:cNvPr id="1" name=""/>
+        <p:cNvGrpSpPr/>
+        <p:nvPr/>
+      </p:nvGrpSpPr>
+      <p:grpSpPr>
+        <a:xfrm>
+          <a:off x="0" y="0"/>
+          <a:ext cx="0" cy="0"/>
+          <a:chOff x="0" y="0"/>
+          <a:chExt cx="0" cy="0"/>
+        </a:xfrm>
+      </p:grpSpPr>
+      <p:sp>
+        <p:nvSpPr>
+          <p:cNvPr id="2" name="Espace réservé de l'image des diapositives 1"/>
+          <p:cNvSpPr>
+            <a:spLocks noGrp="1" noRot="1" noChangeAspect="1"/>
+          </p:cNvSpPr>
+          <p:nvPr>
+            <p:ph type="sldImg"/>
+          </p:nvPr>
+        </p:nvSpPr>
+        <p:spPr/>
+      </p:sp>
+      <p:sp>
+        <p:nvSpPr>
+          <p:cNvPr id="3" name="Espace réservé des notes 2"/>
+          <p:cNvSpPr>
+            <a:spLocks noGrp="1"/>
+          </p:cNvSpPr>
+          <p:nvPr>
+            <p:ph type="body" idx="1"/>
+          </p:nvPr>
+        </p:nvSpPr>
+        <p:spPr/>
+        <p:txBody>
+          <a:bodyPr/>
+          <a:lstStyle/>
+          <a:p>
+            <a:r>
+              <a:rPr lang="fr-CH" dirty="0"/>
+              <a:t>Merci</a:t>
+            </a:r>
+          </a:p>
+        </p:txBody>
+      </p:sp>
+      <p:sp>
+        <p:nvSpPr>
+          <p:cNvPr id="4" name="Espace réservé du numéro de diapositive 3"/>
+          <p:cNvSpPr>
+            <a:spLocks noGrp="1"/>
+          </p:cNvSpPr>
+          <p:nvPr>
+            <p:ph type="sldNum" sz="quarter" idx="5"/>
+          </p:nvPr>
+        </p:nvSpPr>
+        <p:spPr/>
+        <p:txBody>
+          <a:bodyPr/>
+          <a:lstStyle/>
+          <a:p>
+            <a:fld id="{EA09D15A-A690-48C5-831F-EB8D1A27C682}" type="slidenum">
+              <a:rPr lang="fr-CH" smtClean="0"/>
+              <a:t>16</a:t>
+            </a:fld>
+            <a:endParaRPr lang="fr-CH"/>
+          </a:p>
+        </p:txBody>
+      </p:sp>
+    </p:spTree>
+    <p:extLst>
+      <p:ext uri="{BB962C8B-B14F-4D97-AF65-F5344CB8AC3E}">
+        <p14:creationId xmlns:p14="http://schemas.microsoft.com/office/powerpoint/2010/main" val="3833635687"/>
+      </p:ext>
+    </p:extLst>
+  </p:cSld>
+  <p:clrMapOvr>
+    <a:masterClrMapping/>
+  </p:clrMapOvr>
+</p:notes>
+</file>
+
+<file path=ppt/notesSlides/notesSlide2.xml><?xml version="1.0" encoding="utf-8"?>
+<p:notes xmlns:a="http://schemas.openxmlformats.org/drawingml/2006/main" xmlns:r="http://schemas.openxmlformats.org/officeDocument/2006/relationships" xmlns:p="http://schemas.openxmlformats.org/presentationml/2006/main">
+  <p:cSld>
+    <p:spTree>
+      <p:nvGrpSpPr>
+        <p:cNvPr id="1" name=""/>
+        <p:cNvGrpSpPr/>
+        <p:nvPr/>
+      </p:nvGrpSpPr>
+      <p:grpSpPr>
+        <a:xfrm>
+          <a:off x="0" y="0"/>
+          <a:ext cx="0" cy="0"/>
+          <a:chOff x="0" y="0"/>
+          <a:chExt cx="0" cy="0"/>
+        </a:xfrm>
+      </p:grpSpPr>
+      <p:sp>
+        <p:nvSpPr>
+          <p:cNvPr id="2" name="Espace réservé de l'image des diapositives 1"/>
+          <p:cNvSpPr>
+            <a:spLocks noGrp="1" noRot="1" noChangeAspect="1"/>
+          </p:cNvSpPr>
+          <p:nvPr>
+            <p:ph type="sldImg"/>
+          </p:nvPr>
+        </p:nvSpPr>
+        <p:spPr/>
+      </p:sp>
+      <p:sp>
+        <p:nvSpPr>
+          <p:cNvPr id="3" name="Espace réservé des notes 2"/>
+          <p:cNvSpPr>
+            <a:spLocks noGrp="1"/>
+          </p:cNvSpPr>
+          <p:nvPr>
+            <p:ph type="body" idx="1"/>
+          </p:nvPr>
+        </p:nvSpPr>
+        <p:spPr/>
+        <p:txBody>
+          <a:bodyPr/>
+          <a:lstStyle/>
+          <a:p>
+            <a:pPr marL="171450" indent="-171450">
+              <a:buFontTx/>
+              <a:buChar char="-"/>
+            </a:pPr>
+            <a:r>
+              <a:rPr lang="fr-CH" dirty="0"/>
+              <a:t>Les plaques de pression donnent des données incomplètes</a:t>
+            </a:r>
+          </a:p>
+          <a:p>
+            <a:pPr marL="171450" indent="-171450">
+              <a:buFontTx/>
+              <a:buChar char="-"/>
+            </a:pPr>
+            <a:r>
+              <a:rPr lang="fr-CH" dirty="0"/>
+              <a:t>Les médecin sont obligés de noter à la main les évènements</a:t>
+            </a:r>
+          </a:p>
+          <a:p>
+            <a:pPr marL="171450" indent="-171450">
+              <a:buFontTx/>
+              <a:buChar char="-"/>
+            </a:pPr>
+            <a:r>
+              <a:rPr lang="fr-CH" dirty="0"/>
+              <a:t>Prédire évènements grâce à ML (automatiser)</a:t>
+            </a:r>
+          </a:p>
+          <a:p>
+            <a:pPr marL="171450" indent="-171450">
+              <a:buFontTx/>
+              <a:buChar char="-"/>
+            </a:pPr>
+            <a:r>
+              <a:rPr lang="fr-CH" dirty="0"/>
+              <a:t>Présenter FO (vert) – FS (rouge)</a:t>
+            </a:r>
+          </a:p>
+          <a:p>
+            <a:pPr marL="171450" indent="-171450">
+              <a:buFontTx/>
+              <a:buChar char="-"/>
+            </a:pPr>
+            <a:endParaRPr lang="fr-CH" dirty="0"/>
+          </a:p>
+        </p:txBody>
+      </p:sp>
+      <p:sp>
+        <p:nvSpPr>
+          <p:cNvPr id="4" name="Espace réservé du numéro de diapositive 3"/>
+          <p:cNvSpPr>
+            <a:spLocks noGrp="1"/>
+          </p:cNvSpPr>
+          <p:nvPr>
+            <p:ph type="sldNum" sz="quarter" idx="5"/>
+          </p:nvPr>
+        </p:nvSpPr>
+        <p:spPr/>
+        <p:txBody>
+          <a:bodyPr/>
+          <a:lstStyle/>
+          <a:p>
+            <a:fld id="{EA09D15A-A690-48C5-831F-EB8D1A27C682}" type="slidenum">
+              <a:rPr lang="fr-CH" smtClean="0"/>
+              <a:t>2</a:t>
+            </a:fld>
+            <a:endParaRPr lang="fr-CH"/>
+          </a:p>
+        </p:txBody>
+      </p:sp>
+    </p:spTree>
+    <p:extLst>
+      <p:ext uri="{BB962C8B-B14F-4D97-AF65-F5344CB8AC3E}">
+        <p14:creationId xmlns:p14="http://schemas.microsoft.com/office/powerpoint/2010/main" val="3559611594"/>
+      </p:ext>
+    </p:extLst>
+  </p:cSld>
+  <p:clrMapOvr>
+    <a:masterClrMapping/>
+  </p:clrMapOvr>
+</p:notes>
+</file>
+
+<file path=ppt/notesSlides/notesSlide3.xml><?xml version="1.0" encoding="utf-8"?>
+<p:notes xmlns:a="http://schemas.openxmlformats.org/drawingml/2006/main" xmlns:r="http://schemas.openxmlformats.org/officeDocument/2006/relationships" xmlns:p="http://schemas.openxmlformats.org/presentationml/2006/main">
+  <p:cSld>
+    <p:spTree>
+      <p:nvGrpSpPr>
+        <p:cNvPr id="1" name=""/>
+        <p:cNvGrpSpPr/>
+        <p:nvPr/>
+      </p:nvGrpSpPr>
+      <p:grpSpPr>
+        <a:xfrm>
+          <a:off x="0" y="0"/>
+          <a:ext cx="0" cy="0"/>
+          <a:chOff x="0" y="0"/>
+          <a:chExt cx="0" cy="0"/>
+        </a:xfrm>
+      </p:grpSpPr>
+      <p:sp>
+        <p:nvSpPr>
+          <p:cNvPr id="2" name="Espace réservé de l'image des diapositives 1"/>
+          <p:cNvSpPr>
+            <a:spLocks noGrp="1" noRot="1" noChangeAspect="1"/>
+          </p:cNvSpPr>
+          <p:nvPr>
+            <p:ph type="sldImg"/>
+          </p:nvPr>
+        </p:nvSpPr>
+        <p:spPr/>
+      </p:sp>
+      <p:sp>
+        <p:nvSpPr>
+          <p:cNvPr id="3" name="Espace réservé des notes 2"/>
+          <p:cNvSpPr>
+            <a:spLocks noGrp="1"/>
+          </p:cNvSpPr>
+          <p:nvPr>
+            <p:ph type="body" idx="1"/>
+          </p:nvPr>
+        </p:nvSpPr>
+        <p:spPr/>
+        <p:txBody>
+          <a:bodyPr/>
+          <a:lstStyle/>
+          <a:p>
+            <a:pPr marL="171450" indent="-171450">
+              <a:buFontTx/>
+              <a:buChar char="-"/>
+            </a:pPr>
+            <a:r>
+              <a:rPr lang="fr-CH" dirty="0"/>
+              <a:t>Introduction à Mokka (utilisation pour visualiser)</a:t>
+            </a:r>
+          </a:p>
+          <a:p>
+            <a:pPr marL="171450" indent="-171450">
+              <a:buFontTx/>
+              <a:buChar char="-"/>
+            </a:pPr>
+            <a:r>
+              <a:rPr lang="fr-CH" dirty="0"/>
+              <a:t>Les fichiers donnés sont séparés par maladie : CP (</a:t>
+            </a:r>
+            <a:r>
+              <a:rPr lang="fr-CH" dirty="0" err="1"/>
+              <a:t>celebral</a:t>
+            </a:r>
+            <a:r>
+              <a:rPr lang="fr-CH" dirty="0"/>
+              <a:t> </a:t>
+            </a:r>
+            <a:r>
+              <a:rPr lang="fr-CH" dirty="0" err="1"/>
+              <a:t>palsy</a:t>
+            </a:r>
+            <a:r>
+              <a:rPr lang="fr-CH" dirty="0"/>
+              <a:t>) – FD (</a:t>
+            </a:r>
+            <a:r>
+              <a:rPr lang="fr-CH" dirty="0" err="1"/>
+              <a:t>feet</a:t>
+            </a:r>
+            <a:r>
+              <a:rPr lang="fr-CH" dirty="0"/>
+              <a:t> </a:t>
+            </a:r>
+            <a:r>
+              <a:rPr lang="fr-CH" dirty="0" err="1"/>
+              <a:t>deformities</a:t>
+            </a:r>
+            <a:r>
+              <a:rPr lang="fr-CH" dirty="0"/>
+              <a:t>) – ITW (</a:t>
+            </a:r>
+            <a:r>
+              <a:rPr lang="fr-CH" dirty="0" err="1"/>
+              <a:t>idiopathic</a:t>
+            </a:r>
+            <a:r>
+              <a:rPr lang="fr-CH" dirty="0"/>
+              <a:t> </a:t>
+            </a:r>
+            <a:r>
+              <a:rPr lang="fr-CH" dirty="0" err="1"/>
+              <a:t>toe</a:t>
+            </a:r>
+            <a:r>
+              <a:rPr lang="fr-CH" dirty="0"/>
+              <a:t> </a:t>
+            </a:r>
+            <a:r>
+              <a:rPr lang="fr-CH" dirty="0" err="1"/>
+              <a:t>walker</a:t>
+            </a:r>
+            <a:r>
+              <a:rPr lang="fr-CH" dirty="0"/>
+              <a:t>)</a:t>
+            </a:r>
+          </a:p>
+          <a:p>
+            <a:pPr marL="171450" indent="-171450">
+              <a:buFontTx/>
+              <a:buChar char="-"/>
+            </a:pPr>
+            <a:r>
+              <a:rPr lang="fr-CH" dirty="0"/>
+              <a:t>Pour chaque fichier on peut voir annotations (comme ici mais il en manque)</a:t>
+            </a:r>
+          </a:p>
+          <a:p>
+            <a:pPr marL="171450" indent="-171450">
+              <a:buFontTx/>
+              <a:buChar char="-"/>
+            </a:pPr>
+            <a:r>
+              <a:rPr lang="fr-CH" dirty="0"/>
+              <a:t>Plus visualisation de la démarche des patients (capteurs sur corps)</a:t>
+            </a:r>
+          </a:p>
+        </p:txBody>
+      </p:sp>
+      <p:sp>
+        <p:nvSpPr>
+          <p:cNvPr id="4" name="Espace réservé du numéro de diapositive 3"/>
+          <p:cNvSpPr>
+            <a:spLocks noGrp="1"/>
+          </p:cNvSpPr>
+          <p:nvPr>
+            <p:ph type="sldNum" sz="quarter" idx="5"/>
+          </p:nvPr>
+        </p:nvSpPr>
+        <p:spPr/>
+        <p:txBody>
+          <a:bodyPr/>
+          <a:lstStyle/>
+          <a:p>
+            <a:fld id="{EA09D15A-A690-48C5-831F-EB8D1A27C682}" type="slidenum">
+              <a:rPr lang="fr-CH" smtClean="0"/>
+              <a:t>3</a:t>
+            </a:fld>
+            <a:endParaRPr lang="fr-CH"/>
+          </a:p>
+        </p:txBody>
+      </p:sp>
+    </p:spTree>
+    <p:extLst>
+      <p:ext uri="{BB962C8B-B14F-4D97-AF65-F5344CB8AC3E}">
+        <p14:creationId xmlns:p14="http://schemas.microsoft.com/office/powerpoint/2010/main" val="1736936428"/>
+      </p:ext>
+    </p:extLst>
+  </p:cSld>
+  <p:clrMapOvr>
+    <a:masterClrMapping/>
+  </p:clrMapOvr>
+</p:notes>
+</file>
+
+<file path=ppt/notesSlides/notesSlide4.xml><?xml version="1.0" encoding="utf-8"?>
+<p:notes xmlns:a="http://schemas.openxmlformats.org/drawingml/2006/main" xmlns:r="http://schemas.openxmlformats.org/officeDocument/2006/relationships" xmlns:p="http://schemas.openxmlformats.org/presentationml/2006/main">
+  <p:cSld>
+    <p:spTree>
+      <p:nvGrpSpPr>
+        <p:cNvPr id="1" name=""/>
+        <p:cNvGrpSpPr/>
+        <p:nvPr/>
+      </p:nvGrpSpPr>
+      <p:grpSpPr>
+        <a:xfrm>
+          <a:off x="0" y="0"/>
+          <a:ext cx="0" cy="0"/>
+          <a:chOff x="0" y="0"/>
+          <a:chExt cx="0" cy="0"/>
+        </a:xfrm>
+      </p:grpSpPr>
+      <p:sp>
+        <p:nvSpPr>
+          <p:cNvPr id="2" name="Espace réservé de l'image des diapositives 1"/>
+          <p:cNvSpPr>
+            <a:spLocks noGrp="1" noRot="1" noChangeAspect="1"/>
+          </p:cNvSpPr>
+          <p:nvPr>
+            <p:ph type="sldImg"/>
+          </p:nvPr>
+        </p:nvSpPr>
+        <p:spPr/>
+      </p:sp>
+      <p:sp>
+        <p:nvSpPr>
+          <p:cNvPr id="3" name="Espace réservé des notes 2"/>
+          <p:cNvSpPr>
+            <a:spLocks noGrp="1"/>
+          </p:cNvSpPr>
+          <p:nvPr>
+            <p:ph type="body" idx="1"/>
+          </p:nvPr>
+        </p:nvSpPr>
+        <p:spPr/>
+        <p:txBody>
+          <a:bodyPr/>
+          <a:lstStyle/>
+          <a:p>
+            <a:pPr marL="171450" indent="-171450">
+              <a:buFontTx/>
+              <a:buChar char="-"/>
+            </a:pPr>
+            <a:r>
+              <a:rPr lang="fr-CH" dirty="0"/>
+              <a:t>Grand nombre de capteurs sur l’ensemble du corps</a:t>
+            </a:r>
+          </a:p>
+          <a:p>
+            <a:pPr marL="171450" indent="-171450">
+              <a:buFontTx/>
+              <a:buChar char="-"/>
+            </a:pPr>
+            <a:r>
+              <a:rPr lang="fr-CH" dirty="0"/>
+              <a:t>Il est possible avec BTK de récupérer les métadonnées relatifs aux capteurs</a:t>
+            </a:r>
+          </a:p>
+          <a:p>
+            <a:pPr marL="171450" indent="-171450">
+              <a:buFontTx/>
+              <a:buChar char="-"/>
+            </a:pPr>
+            <a:r>
+              <a:rPr lang="fr-CH" dirty="0"/>
+              <a:t>Les capteurs relatifs aux pieds sont les plus importants avec jambes</a:t>
+            </a:r>
+          </a:p>
+          <a:p>
+            <a:pPr marL="171450" indent="-171450">
+              <a:buFontTx/>
+              <a:buChar char="-"/>
+            </a:pPr>
+            <a:r>
+              <a:rPr lang="fr-CH" dirty="0">
+                <a:sym typeface="Wingdings" panose="05000000000000000000" pitchFamily="2" charset="2"/>
+              </a:rPr>
+              <a:t> Transition cochon</a:t>
+            </a:r>
+          </a:p>
+          <a:p>
+            <a:pPr marL="171450" indent="-171450">
+              <a:buFontTx/>
+              <a:buChar char="-"/>
+            </a:pPr>
+            <a:r>
+              <a:rPr lang="fr-CH" dirty="0"/>
+              <a:t>On a ainsi tester plusieurs algo en basant uniquement sur les capteurs du pied (courbes très représentatives)</a:t>
+            </a:r>
+          </a:p>
+        </p:txBody>
+      </p:sp>
+      <p:sp>
+        <p:nvSpPr>
+          <p:cNvPr id="4" name="Espace réservé du numéro de diapositive 3"/>
+          <p:cNvSpPr>
+            <a:spLocks noGrp="1"/>
+          </p:cNvSpPr>
+          <p:nvPr>
+            <p:ph type="sldNum" sz="quarter" idx="5"/>
+          </p:nvPr>
+        </p:nvSpPr>
+        <p:spPr/>
+        <p:txBody>
+          <a:bodyPr/>
+          <a:lstStyle/>
+          <a:p>
+            <a:fld id="{EA09D15A-A690-48C5-831F-EB8D1A27C682}" type="slidenum">
+              <a:rPr lang="fr-CH" smtClean="0"/>
+              <a:t>4</a:t>
+            </a:fld>
+            <a:endParaRPr lang="fr-CH"/>
+          </a:p>
+        </p:txBody>
+      </p:sp>
+    </p:spTree>
+    <p:extLst>
+      <p:ext uri="{BB962C8B-B14F-4D97-AF65-F5344CB8AC3E}">
+        <p14:creationId xmlns:p14="http://schemas.microsoft.com/office/powerpoint/2010/main" val="69177838"/>
+      </p:ext>
+    </p:extLst>
+  </p:cSld>
+  <p:clrMapOvr>
+    <a:masterClrMapping/>
+  </p:clrMapOvr>
+</p:notes>
+</file>
+
+<file path=ppt/notesSlides/notesSlide5.xml><?xml version="1.0" encoding="utf-8"?>
+<p:notes xmlns:a="http://schemas.openxmlformats.org/drawingml/2006/main" xmlns:r="http://schemas.openxmlformats.org/officeDocument/2006/relationships" xmlns:p="http://schemas.openxmlformats.org/presentationml/2006/main">
+  <p:cSld>
+    <p:spTree>
+      <p:nvGrpSpPr>
+        <p:cNvPr id="1" name=""/>
+        <p:cNvGrpSpPr/>
+        <p:nvPr/>
+      </p:nvGrpSpPr>
+      <p:grpSpPr>
+        <a:xfrm>
+          <a:off x="0" y="0"/>
+          <a:ext cx="0" cy="0"/>
+          <a:chOff x="0" y="0"/>
+          <a:chExt cx="0" cy="0"/>
+        </a:xfrm>
+      </p:grpSpPr>
+      <p:sp>
+        <p:nvSpPr>
+          <p:cNvPr id="2" name="Espace réservé de l'image des diapositives 1"/>
+          <p:cNvSpPr>
+            <a:spLocks noGrp="1" noRot="1" noChangeAspect="1"/>
+          </p:cNvSpPr>
+          <p:nvPr>
+            <p:ph type="sldImg"/>
+          </p:nvPr>
+        </p:nvSpPr>
+        <p:spPr/>
+      </p:sp>
+      <p:sp>
+        <p:nvSpPr>
+          <p:cNvPr id="3" name="Espace réservé des notes 2"/>
+          <p:cNvSpPr>
+            <a:spLocks noGrp="1"/>
+          </p:cNvSpPr>
+          <p:nvPr>
+            <p:ph type="body" idx="1"/>
+          </p:nvPr>
+        </p:nvSpPr>
+        <p:spPr/>
+        <p:txBody>
+          <a:bodyPr/>
+          <a:lstStyle/>
+          <a:p>
+            <a:pPr marL="171450" indent="-171450">
+              <a:buFontTx/>
+              <a:buChar char="-"/>
+            </a:pPr>
+            <a:r>
+              <a:rPr lang="fr-CH" dirty="0"/>
+              <a:t>Premier algo testé : DT</a:t>
+            </a:r>
+          </a:p>
+          <a:p>
+            <a:pPr marL="171450" indent="-171450">
+              <a:buFontTx/>
+              <a:buChar char="-"/>
+            </a:pPr>
+            <a:r>
+              <a:rPr lang="fr-CH" dirty="0"/>
+              <a:t>Racine : on met l’attribut qui donne le plus d’information (Entropie / Gini)</a:t>
+            </a:r>
+          </a:p>
+          <a:p>
+            <a:pPr marL="171450" indent="-171450">
+              <a:buFontTx/>
+              <a:buChar char="-"/>
+            </a:pPr>
+            <a:r>
+              <a:rPr lang="fr-CH" dirty="0"/>
+              <a:t>Ensuite séparation de notre ensemble d’instances selon les valeurs observées</a:t>
+            </a:r>
+          </a:p>
+          <a:p>
+            <a:pPr marL="171450" indent="-171450">
+              <a:buFontTx/>
+              <a:buChar char="-"/>
+            </a:pPr>
+            <a:r>
+              <a:rPr lang="fr-CH" dirty="0"/>
+              <a:t>On recommence le processus jusqu’à faire le choix d’un label </a:t>
+            </a:r>
+          </a:p>
+        </p:txBody>
+      </p:sp>
+      <p:sp>
+        <p:nvSpPr>
+          <p:cNvPr id="4" name="Espace réservé du numéro de diapositive 3"/>
+          <p:cNvSpPr>
+            <a:spLocks noGrp="1"/>
+          </p:cNvSpPr>
+          <p:nvPr>
+            <p:ph type="sldNum" sz="quarter" idx="5"/>
+          </p:nvPr>
+        </p:nvSpPr>
+        <p:spPr/>
+        <p:txBody>
+          <a:bodyPr/>
+          <a:lstStyle/>
+          <a:p>
+            <a:fld id="{EA09D15A-A690-48C5-831F-EB8D1A27C682}" type="slidenum">
+              <a:rPr lang="fr-CH" smtClean="0"/>
+              <a:t>5</a:t>
+            </a:fld>
+            <a:endParaRPr lang="fr-CH"/>
+          </a:p>
+        </p:txBody>
+      </p:sp>
+    </p:spTree>
+    <p:extLst>
+      <p:ext uri="{BB962C8B-B14F-4D97-AF65-F5344CB8AC3E}">
+        <p14:creationId xmlns:p14="http://schemas.microsoft.com/office/powerpoint/2010/main" val="2557309486"/>
+      </p:ext>
+    </p:extLst>
+  </p:cSld>
+  <p:clrMapOvr>
+    <a:masterClrMapping/>
+  </p:clrMapOvr>
+</p:notes>
+</file>
+
+<file path=ppt/notesSlides/notesSlide6.xml><?xml version="1.0" encoding="utf-8"?>
+<p:notes xmlns:a="http://schemas.openxmlformats.org/drawingml/2006/main" xmlns:r="http://schemas.openxmlformats.org/officeDocument/2006/relationships" xmlns:p="http://schemas.openxmlformats.org/presentationml/2006/main">
+  <p:cSld>
+    <p:spTree>
+      <p:nvGrpSpPr>
+        <p:cNvPr id="1" name=""/>
+        <p:cNvGrpSpPr/>
+        <p:nvPr/>
+      </p:nvGrpSpPr>
+      <p:grpSpPr>
+        <a:xfrm>
+          <a:off x="0" y="0"/>
+          <a:ext cx="0" cy="0"/>
+          <a:chOff x="0" y="0"/>
+          <a:chExt cx="0" cy="0"/>
+        </a:xfrm>
+      </p:grpSpPr>
+      <p:sp>
+        <p:nvSpPr>
+          <p:cNvPr id="2" name="Espace réservé de l'image des diapositives 1"/>
+          <p:cNvSpPr>
+            <a:spLocks noGrp="1" noRot="1" noChangeAspect="1"/>
+          </p:cNvSpPr>
+          <p:nvPr>
+            <p:ph type="sldImg"/>
+          </p:nvPr>
+        </p:nvSpPr>
+        <p:spPr/>
+      </p:sp>
+      <p:sp>
+        <p:nvSpPr>
+          <p:cNvPr id="3" name="Espace réservé des notes 2"/>
+          <p:cNvSpPr>
+            <a:spLocks noGrp="1"/>
+          </p:cNvSpPr>
+          <p:nvPr>
+            <p:ph type="body" idx="1"/>
+          </p:nvPr>
+        </p:nvSpPr>
+        <p:spPr/>
+        <p:txBody>
+          <a:bodyPr/>
+          <a:lstStyle/>
+          <a:p>
+            <a:pPr marL="171450" marR="0" lvl="0" indent="-171450" algn="l" defTabSz="914400" rtl="0" eaLnBrk="1" fontAlgn="auto" latinLnBrk="0" hangingPunct="1">
+              <a:lnSpc>
+                <a:spcPct val="100000"/>
+              </a:lnSpc>
+              <a:spcBef>
+                <a:spcPts val="0"/>
+              </a:spcBef>
+              <a:spcAft>
+                <a:spcPts val="0"/>
+              </a:spcAft>
+              <a:buClrTx/>
+              <a:buSzTx/>
+              <a:buFontTx/>
+              <a:buChar char="-"/>
+              <a:tabLst/>
+              <a:defRPr/>
+            </a:pPr>
+            <a:r>
+              <a:rPr lang="fr-CH" dirty="0"/>
+              <a:t>Deuxième algo testé : KNN</a:t>
+            </a:r>
+          </a:p>
+          <a:p>
+            <a:pPr marL="171450" marR="0" lvl="0" indent="-171450" algn="l" defTabSz="914400" rtl="0" eaLnBrk="1" fontAlgn="auto" latinLnBrk="0" hangingPunct="1">
+              <a:lnSpc>
+                <a:spcPct val="100000"/>
+              </a:lnSpc>
+              <a:spcBef>
+                <a:spcPts val="0"/>
+              </a:spcBef>
+              <a:spcAft>
+                <a:spcPts val="0"/>
+              </a:spcAft>
+              <a:buClrTx/>
+              <a:buSzTx/>
+              <a:buFontTx/>
+              <a:buChar char="-"/>
+              <a:tabLst/>
+              <a:defRPr/>
+            </a:pPr>
+            <a:r>
+              <a:rPr lang="fr-CH" dirty="0"/>
+              <a:t>Pour chaque instance on choisit son label en fonction de ces K voisins les plus proches</a:t>
+            </a:r>
+          </a:p>
+          <a:p>
+            <a:pPr marL="171450" marR="0" lvl="0" indent="-171450" algn="l" defTabSz="914400" rtl="0" eaLnBrk="1" fontAlgn="auto" latinLnBrk="0" hangingPunct="1">
+              <a:lnSpc>
+                <a:spcPct val="100000"/>
+              </a:lnSpc>
+              <a:spcBef>
+                <a:spcPts val="0"/>
+              </a:spcBef>
+              <a:spcAft>
+                <a:spcPts val="0"/>
+              </a:spcAft>
+              <a:buClrTx/>
+              <a:buSzTx/>
+              <a:buFontTx/>
+              <a:buChar char="-"/>
+              <a:tabLst/>
+              <a:defRPr/>
+            </a:pPr>
+            <a:r>
+              <a:rPr lang="fr-CH" dirty="0"/>
+              <a:t>Ex: Pour K = 5 avec le croix noire une instance de test</a:t>
+            </a:r>
+          </a:p>
+          <a:p>
+            <a:pPr marL="171450" marR="0" lvl="0" indent="-171450" algn="l" defTabSz="914400" rtl="0" eaLnBrk="1" fontAlgn="auto" latinLnBrk="0" hangingPunct="1">
+              <a:lnSpc>
+                <a:spcPct val="100000"/>
+              </a:lnSpc>
+              <a:spcBef>
+                <a:spcPts val="0"/>
+              </a:spcBef>
+              <a:spcAft>
+                <a:spcPts val="0"/>
+              </a:spcAft>
+              <a:buClrTx/>
+              <a:buSzTx/>
+              <a:buFontTx/>
+              <a:buChar char="-"/>
+              <a:tabLst/>
+              <a:defRPr/>
+            </a:pPr>
+            <a:r>
+              <a:rPr lang="fr-CH" dirty="0"/>
+              <a:t>On voit 3 triangles bleus et 2 ronds oranges (voisins)</a:t>
+            </a:r>
+          </a:p>
+          <a:p>
+            <a:pPr marL="171450" marR="0" lvl="0" indent="-171450" algn="l" defTabSz="914400" rtl="0" eaLnBrk="1" fontAlgn="auto" latinLnBrk="0" hangingPunct="1">
+              <a:lnSpc>
+                <a:spcPct val="100000"/>
+              </a:lnSpc>
+              <a:spcBef>
+                <a:spcPts val="0"/>
+              </a:spcBef>
+              <a:spcAft>
+                <a:spcPts val="0"/>
+              </a:spcAft>
+              <a:buClrTx/>
+              <a:buSzTx/>
+              <a:buFontTx/>
+              <a:buChar char="-"/>
+              <a:tabLst/>
+              <a:defRPr/>
+            </a:pPr>
+            <a:r>
+              <a:rPr lang="fr-CH" dirty="0">
+                <a:sym typeface="Wingdings" panose="05000000000000000000" pitchFamily="2" charset="2"/>
+              </a:rPr>
+              <a:t> transition cochon</a:t>
+            </a:r>
+            <a:endParaRPr lang="fr-CH" dirty="0"/>
+          </a:p>
+          <a:p>
+            <a:r>
+              <a:rPr lang="fr-CH" dirty="0"/>
+              <a:t>- On va prédire que l’instance appartient à la classe bleue</a:t>
+            </a:r>
+          </a:p>
+        </p:txBody>
+      </p:sp>
+      <p:sp>
+        <p:nvSpPr>
+          <p:cNvPr id="4" name="Espace réservé du numéro de diapositive 3"/>
+          <p:cNvSpPr>
+            <a:spLocks noGrp="1"/>
+          </p:cNvSpPr>
+          <p:nvPr>
+            <p:ph type="sldNum" sz="quarter" idx="5"/>
+          </p:nvPr>
+        </p:nvSpPr>
+        <p:spPr/>
+        <p:txBody>
+          <a:bodyPr/>
+          <a:lstStyle/>
+          <a:p>
+            <a:fld id="{EA09D15A-A690-48C5-831F-EB8D1A27C682}" type="slidenum">
+              <a:rPr lang="fr-CH" smtClean="0"/>
+              <a:t>6</a:t>
+            </a:fld>
+            <a:endParaRPr lang="fr-CH"/>
+          </a:p>
+        </p:txBody>
+      </p:sp>
+    </p:spTree>
+    <p:extLst>
+      <p:ext uri="{BB962C8B-B14F-4D97-AF65-F5344CB8AC3E}">
+        <p14:creationId xmlns:p14="http://schemas.microsoft.com/office/powerpoint/2010/main" val="1086161769"/>
+      </p:ext>
+    </p:extLst>
+  </p:cSld>
+  <p:clrMapOvr>
+    <a:masterClrMapping/>
+  </p:clrMapOvr>
+</p:notes>
+</file>
+
+<file path=ppt/notesSlides/notesSlide7.xml><?xml version="1.0" encoding="utf-8"?>
+<p:notes xmlns:a="http://schemas.openxmlformats.org/drawingml/2006/main" xmlns:r="http://schemas.openxmlformats.org/officeDocument/2006/relationships" xmlns:p="http://schemas.openxmlformats.org/presentationml/2006/main">
+  <p:cSld>
+    <p:spTree>
+      <p:nvGrpSpPr>
+        <p:cNvPr id="1" name=""/>
+        <p:cNvGrpSpPr/>
+        <p:nvPr/>
+      </p:nvGrpSpPr>
+      <p:grpSpPr>
+        <a:xfrm>
+          <a:off x="0" y="0"/>
+          <a:ext cx="0" cy="0"/>
+          <a:chOff x="0" y="0"/>
+          <a:chExt cx="0" cy="0"/>
+        </a:xfrm>
+      </p:grpSpPr>
+      <p:sp>
+        <p:nvSpPr>
+          <p:cNvPr id="2" name="Espace réservé de l'image des diapositives 1"/>
+          <p:cNvSpPr>
+            <a:spLocks noGrp="1" noRot="1" noChangeAspect="1"/>
+          </p:cNvSpPr>
+          <p:nvPr>
+            <p:ph type="sldImg"/>
+          </p:nvPr>
+        </p:nvSpPr>
+        <p:spPr/>
+      </p:sp>
+      <p:sp>
+        <p:nvSpPr>
+          <p:cNvPr id="3" name="Espace réservé des notes 2"/>
+          <p:cNvSpPr>
+            <a:spLocks noGrp="1"/>
+          </p:cNvSpPr>
+          <p:nvPr>
+            <p:ph type="body" idx="1"/>
+          </p:nvPr>
+        </p:nvSpPr>
+        <p:spPr/>
+        <p:txBody>
+          <a:bodyPr/>
+          <a:lstStyle/>
+          <a:p>
+            <a:pPr marL="171450" marR="0" lvl="0" indent="-171450" algn="l" defTabSz="914400" rtl="0" eaLnBrk="1" fontAlgn="auto" latinLnBrk="0" hangingPunct="1">
+              <a:lnSpc>
+                <a:spcPct val="100000"/>
+              </a:lnSpc>
+              <a:spcBef>
+                <a:spcPts val="0"/>
+              </a:spcBef>
+              <a:spcAft>
+                <a:spcPts val="0"/>
+              </a:spcAft>
+              <a:buClrTx/>
+              <a:buSzTx/>
+              <a:buFontTx/>
+              <a:buChar char="-"/>
+              <a:tabLst/>
+              <a:defRPr/>
+            </a:pPr>
+            <a:r>
+              <a:rPr lang="fr-CH" dirty="0"/>
+              <a:t>Troisième algo testé : </a:t>
+            </a:r>
+            <a:r>
+              <a:rPr lang="fr-CH" dirty="0" err="1"/>
+              <a:t>Nearest</a:t>
+            </a:r>
+            <a:r>
+              <a:rPr lang="fr-CH" dirty="0"/>
+              <a:t> </a:t>
+            </a:r>
+            <a:r>
+              <a:rPr lang="fr-CH" dirty="0" err="1"/>
+              <a:t>centroid</a:t>
+            </a:r>
+            <a:endParaRPr lang="fr-CH" dirty="0"/>
+          </a:p>
+          <a:p>
+            <a:pPr marL="171450" marR="0" lvl="0" indent="-171450" algn="l" defTabSz="914400" rtl="0" eaLnBrk="1" fontAlgn="auto" latinLnBrk="0" hangingPunct="1">
+              <a:lnSpc>
+                <a:spcPct val="100000"/>
+              </a:lnSpc>
+              <a:spcBef>
+                <a:spcPts val="0"/>
+              </a:spcBef>
+              <a:spcAft>
+                <a:spcPts val="0"/>
+              </a:spcAft>
+              <a:buClrTx/>
+              <a:buSzTx/>
+              <a:buFontTx/>
+              <a:buChar char="-"/>
+              <a:tabLst/>
+              <a:defRPr/>
+            </a:pPr>
+            <a:r>
+              <a:rPr lang="fr-CH" dirty="0"/>
+              <a:t>Pour cet algo imaginons une instance de test à prédire (croix noire)</a:t>
+            </a:r>
+          </a:p>
+          <a:p>
+            <a:pPr marL="171450" marR="0" lvl="0" indent="-171450" algn="l" defTabSz="914400" rtl="0" eaLnBrk="1" fontAlgn="auto" latinLnBrk="0" hangingPunct="1">
+              <a:lnSpc>
+                <a:spcPct val="100000"/>
+              </a:lnSpc>
+              <a:spcBef>
+                <a:spcPts val="0"/>
+              </a:spcBef>
+              <a:spcAft>
+                <a:spcPts val="0"/>
+              </a:spcAft>
+              <a:buClrTx/>
+              <a:buSzTx/>
+              <a:buFontTx/>
+              <a:buChar char="-"/>
+              <a:tabLst/>
+              <a:defRPr/>
+            </a:pPr>
+            <a:r>
+              <a:rPr lang="fr-CH" dirty="0">
+                <a:sym typeface="Wingdings" panose="05000000000000000000" pitchFamily="2" charset="2"/>
+              </a:rPr>
+              <a:t> transition cochon</a:t>
+            </a:r>
+          </a:p>
+          <a:p>
+            <a:pPr marL="171450" marR="0" lvl="0" indent="-171450" algn="l" defTabSz="914400" rtl="0" eaLnBrk="1" fontAlgn="auto" latinLnBrk="0" hangingPunct="1">
+              <a:lnSpc>
+                <a:spcPct val="100000"/>
+              </a:lnSpc>
+              <a:spcBef>
+                <a:spcPts val="0"/>
+              </a:spcBef>
+              <a:spcAft>
+                <a:spcPts val="0"/>
+              </a:spcAft>
+              <a:buClrTx/>
+              <a:buSzTx/>
+              <a:buFontTx/>
+              <a:buChar char="-"/>
+              <a:tabLst/>
+              <a:defRPr/>
+            </a:pPr>
+            <a:r>
+              <a:rPr lang="fr-CH" dirty="0">
+                <a:sym typeface="Wingdings" panose="05000000000000000000" pitchFamily="2" charset="2"/>
+              </a:rPr>
+              <a:t>On calcule dans un premier temps les </a:t>
+            </a:r>
+            <a:r>
+              <a:rPr lang="fr-CH" dirty="0" err="1">
+                <a:sym typeface="Wingdings" panose="05000000000000000000" pitchFamily="2" charset="2"/>
+              </a:rPr>
+              <a:t>centroids</a:t>
+            </a:r>
+            <a:r>
+              <a:rPr lang="fr-CH" dirty="0">
+                <a:sym typeface="Wingdings" panose="05000000000000000000" pitchFamily="2" charset="2"/>
+              </a:rPr>
+              <a:t> qui sont les moyennes de toutes les instances de la classe en question</a:t>
+            </a:r>
+          </a:p>
+          <a:p>
+            <a:pPr marL="171450" marR="0" lvl="0" indent="-171450" algn="l" defTabSz="914400" rtl="0" eaLnBrk="1" fontAlgn="auto" latinLnBrk="0" hangingPunct="1">
+              <a:lnSpc>
+                <a:spcPct val="100000"/>
+              </a:lnSpc>
+              <a:spcBef>
+                <a:spcPts val="0"/>
+              </a:spcBef>
+              <a:spcAft>
+                <a:spcPts val="0"/>
+              </a:spcAft>
+              <a:buClrTx/>
+              <a:buSzTx/>
+              <a:buFontTx/>
+              <a:buChar char="-"/>
+              <a:tabLst/>
+              <a:defRPr/>
+            </a:pPr>
+            <a:r>
+              <a:rPr lang="fr-CH" dirty="0">
+                <a:sym typeface="Wingdings" panose="05000000000000000000" pitchFamily="2" charset="2"/>
+              </a:rPr>
+              <a:t> transition cochon</a:t>
+            </a:r>
+          </a:p>
+          <a:p>
+            <a:pPr marL="171450" marR="0" lvl="0" indent="-171450" algn="l" defTabSz="914400" rtl="0" eaLnBrk="1" fontAlgn="auto" latinLnBrk="0" hangingPunct="1">
+              <a:lnSpc>
+                <a:spcPct val="100000"/>
+              </a:lnSpc>
+              <a:spcBef>
+                <a:spcPts val="0"/>
+              </a:spcBef>
+              <a:spcAft>
+                <a:spcPts val="0"/>
+              </a:spcAft>
+              <a:buClrTx/>
+              <a:buSzTx/>
+              <a:buFontTx/>
+              <a:buChar char="-"/>
+              <a:tabLst/>
+              <a:defRPr/>
+            </a:pPr>
+            <a:r>
+              <a:rPr lang="fr-CH" dirty="0">
+                <a:sym typeface="Wingdings" panose="05000000000000000000" pitchFamily="2" charset="2"/>
+              </a:rPr>
+              <a:t>Ensuite on calcule les distances entre les </a:t>
+            </a:r>
+            <a:r>
+              <a:rPr lang="fr-CH" dirty="0" err="1">
+                <a:sym typeface="Wingdings" panose="05000000000000000000" pitchFamily="2" charset="2"/>
+              </a:rPr>
+              <a:t>centroids</a:t>
+            </a:r>
+            <a:r>
+              <a:rPr lang="fr-CH" dirty="0">
+                <a:sym typeface="Wingdings" panose="05000000000000000000" pitchFamily="2" charset="2"/>
+              </a:rPr>
+              <a:t> et l’instance de test</a:t>
+            </a:r>
+          </a:p>
+          <a:p>
+            <a:pPr marL="171450" marR="0" lvl="0" indent="-171450" algn="l" defTabSz="914400" rtl="0" eaLnBrk="1" fontAlgn="auto" latinLnBrk="0" hangingPunct="1">
+              <a:lnSpc>
+                <a:spcPct val="100000"/>
+              </a:lnSpc>
+              <a:spcBef>
+                <a:spcPts val="0"/>
+              </a:spcBef>
+              <a:spcAft>
+                <a:spcPts val="0"/>
+              </a:spcAft>
+              <a:buClrTx/>
+              <a:buSzTx/>
+              <a:buFontTx/>
+              <a:buChar char="-"/>
+              <a:tabLst/>
+              <a:defRPr/>
+            </a:pPr>
+            <a:r>
+              <a:rPr lang="fr-CH" dirty="0">
+                <a:sym typeface="Wingdings" panose="05000000000000000000" pitchFamily="2" charset="2"/>
+              </a:rPr>
+              <a:t>On retient le minimum -&gt; donc on classifie l’instance selon le </a:t>
+            </a:r>
+            <a:r>
+              <a:rPr lang="fr-CH" dirty="0" err="1">
+                <a:sym typeface="Wingdings" panose="05000000000000000000" pitchFamily="2" charset="2"/>
+              </a:rPr>
+              <a:t>centroid</a:t>
+            </a:r>
+            <a:r>
+              <a:rPr lang="fr-CH" dirty="0">
+                <a:sym typeface="Wingdings" panose="05000000000000000000" pitchFamily="2" charset="2"/>
+              </a:rPr>
+              <a:t> le plus proche</a:t>
+            </a:r>
+            <a:endParaRPr lang="fr-CH" dirty="0"/>
+          </a:p>
+          <a:p>
+            <a:r>
+              <a:rPr lang="fr-CH" dirty="0"/>
+              <a:t>-   NOUS AVONS UTILISE CETTE METHODE</a:t>
+            </a:r>
+          </a:p>
+        </p:txBody>
+      </p:sp>
+      <p:sp>
+        <p:nvSpPr>
+          <p:cNvPr id="4" name="Espace réservé du numéro de diapositive 3"/>
+          <p:cNvSpPr>
+            <a:spLocks noGrp="1"/>
+          </p:cNvSpPr>
+          <p:nvPr>
+            <p:ph type="sldNum" sz="quarter" idx="5"/>
+          </p:nvPr>
+        </p:nvSpPr>
+        <p:spPr/>
+        <p:txBody>
+          <a:bodyPr/>
+          <a:lstStyle/>
+          <a:p>
+            <a:fld id="{EA09D15A-A690-48C5-831F-EB8D1A27C682}" type="slidenum">
+              <a:rPr lang="fr-CH" smtClean="0"/>
+              <a:t>7</a:t>
+            </a:fld>
+            <a:endParaRPr lang="fr-CH"/>
+          </a:p>
+        </p:txBody>
+      </p:sp>
+    </p:spTree>
+    <p:extLst>
+      <p:ext uri="{BB962C8B-B14F-4D97-AF65-F5344CB8AC3E}">
+        <p14:creationId xmlns:p14="http://schemas.microsoft.com/office/powerpoint/2010/main" val="3959462471"/>
+      </p:ext>
+    </p:extLst>
+  </p:cSld>
+  <p:clrMapOvr>
+    <a:masterClrMapping/>
+  </p:clrMapOvr>
+</p:notes>
+</file>
+
+<file path=ppt/notesSlides/notesSlide8.xml><?xml version="1.0" encoding="utf-8"?>
+<p:notes xmlns:a="http://schemas.openxmlformats.org/drawingml/2006/main" xmlns:r="http://schemas.openxmlformats.org/officeDocument/2006/relationships" xmlns:p="http://schemas.openxmlformats.org/presentationml/2006/main">
+  <p:cSld>
+    <p:spTree>
+      <p:nvGrpSpPr>
+        <p:cNvPr id="1" name=""/>
+        <p:cNvGrpSpPr/>
+        <p:nvPr/>
+      </p:nvGrpSpPr>
+      <p:grpSpPr>
+        <a:xfrm>
+          <a:off x="0" y="0"/>
+          <a:ext cx="0" cy="0"/>
+          <a:chOff x="0" y="0"/>
+          <a:chExt cx="0" cy="0"/>
+        </a:xfrm>
+      </p:grpSpPr>
+      <p:sp>
+        <p:nvSpPr>
+          <p:cNvPr id="2" name="Espace réservé de l'image des diapositives 1"/>
+          <p:cNvSpPr>
+            <a:spLocks noGrp="1" noRot="1" noChangeAspect="1"/>
+          </p:cNvSpPr>
+          <p:nvPr>
+            <p:ph type="sldImg"/>
+          </p:nvPr>
+        </p:nvSpPr>
+        <p:spPr/>
+      </p:sp>
+      <p:sp>
+        <p:nvSpPr>
+          <p:cNvPr id="3" name="Espace réservé des notes 2"/>
+          <p:cNvSpPr>
+            <a:spLocks noGrp="1"/>
+          </p:cNvSpPr>
+          <p:nvPr>
+            <p:ph type="body" idx="1"/>
+          </p:nvPr>
+        </p:nvSpPr>
+        <p:spPr/>
+        <p:txBody>
+          <a:bodyPr/>
+          <a:lstStyle/>
+          <a:p>
+            <a:pPr marL="171450" indent="-171450">
+              <a:buFontTx/>
+              <a:buChar char="-"/>
+            </a:pPr>
+            <a:r>
+              <a:rPr lang="fr-CH" dirty="0"/>
+              <a:t>Pour la phase d’apprentissage, nous avons séparer les maladies afin d’étudier les démarches selon la pathologie</a:t>
+            </a:r>
+          </a:p>
+          <a:p>
+            <a:pPr marL="171450" indent="-171450">
+              <a:buFontTx/>
+              <a:buChar char="-"/>
+            </a:pPr>
+            <a:r>
+              <a:rPr lang="fr-CH" dirty="0"/>
+              <a:t>De plus nous avons appris sur les données déjà annotées et ou il manque des </a:t>
+            </a:r>
+            <a:r>
+              <a:rPr lang="fr-CH" dirty="0" err="1"/>
+              <a:t>evenements</a:t>
+            </a:r>
+            <a:r>
+              <a:rPr lang="fr-CH" dirty="0"/>
+              <a:t> et nous avons ajouté des </a:t>
+            </a:r>
+            <a:r>
+              <a:rPr lang="fr-CH" dirty="0" err="1"/>
+              <a:t>No_event</a:t>
+            </a:r>
+            <a:r>
+              <a:rPr lang="fr-CH" dirty="0"/>
+              <a:t> ou nous étions sur que pas real </a:t>
+            </a:r>
+            <a:r>
+              <a:rPr lang="fr-CH" dirty="0" err="1"/>
+              <a:t>event</a:t>
+            </a:r>
+            <a:endParaRPr lang="fr-CH" dirty="0"/>
+          </a:p>
+          <a:p>
+            <a:pPr marL="171450" indent="-171450">
+              <a:buFontTx/>
+              <a:buChar char="-"/>
+            </a:pPr>
+            <a:r>
+              <a:rPr lang="fr-CH" dirty="0"/>
+              <a:t>Selon les différentes maladies nous avons sélectionné différents capteurs (on les verra par la suite) afin d’avoir les meilleurs résultats possibles</a:t>
+            </a:r>
+          </a:p>
+          <a:p>
+            <a:pPr marL="171450" indent="-171450">
+              <a:buFontTx/>
+              <a:buChar char="-"/>
+            </a:pPr>
+            <a:r>
+              <a:rPr lang="fr-CH" dirty="0"/>
+              <a:t>Ensuite on prédit à l’aide de </a:t>
+            </a:r>
+            <a:r>
+              <a:rPr lang="fr-CH" dirty="0" err="1"/>
+              <a:t>nearest</a:t>
+            </a:r>
+            <a:r>
+              <a:rPr lang="fr-CH" dirty="0"/>
+              <a:t> </a:t>
+            </a:r>
+            <a:r>
+              <a:rPr lang="fr-CH" dirty="0" err="1"/>
+              <a:t>centroid</a:t>
+            </a:r>
+            <a:r>
+              <a:rPr lang="fr-CH" dirty="0"/>
+              <a:t> et on obtient des intervalles d’</a:t>
+            </a:r>
+            <a:r>
+              <a:rPr lang="fr-CH" dirty="0" err="1"/>
+              <a:t>event</a:t>
+            </a:r>
+            <a:endParaRPr lang="fr-CH" dirty="0"/>
+          </a:p>
+          <a:p>
+            <a:pPr marL="171450" indent="-171450">
+              <a:buFontTx/>
+              <a:buChar char="-"/>
+            </a:pPr>
+            <a:r>
+              <a:rPr lang="fr-CH" dirty="0"/>
+              <a:t>Nous choisissons ensuite les </a:t>
+            </a:r>
+            <a:r>
+              <a:rPr lang="fr-CH" dirty="0" err="1"/>
+              <a:t>events</a:t>
+            </a:r>
+            <a:r>
+              <a:rPr lang="fr-CH" dirty="0"/>
+              <a:t> à prédire (-&gt; autre slide)</a:t>
+            </a:r>
+          </a:p>
+        </p:txBody>
+      </p:sp>
+      <p:sp>
+        <p:nvSpPr>
+          <p:cNvPr id="4" name="Espace réservé du numéro de diapositive 3"/>
+          <p:cNvSpPr>
+            <a:spLocks noGrp="1"/>
+          </p:cNvSpPr>
+          <p:nvPr>
+            <p:ph type="sldNum" sz="quarter" idx="5"/>
+          </p:nvPr>
+        </p:nvSpPr>
+        <p:spPr/>
+        <p:txBody>
+          <a:bodyPr/>
+          <a:lstStyle/>
+          <a:p>
+            <a:fld id="{EA09D15A-A690-48C5-831F-EB8D1A27C682}" type="slidenum">
+              <a:rPr lang="fr-CH" smtClean="0"/>
+              <a:t>8</a:t>
+            </a:fld>
+            <a:endParaRPr lang="fr-CH"/>
+          </a:p>
+        </p:txBody>
+      </p:sp>
+    </p:spTree>
+    <p:extLst>
+      <p:ext uri="{BB962C8B-B14F-4D97-AF65-F5344CB8AC3E}">
+        <p14:creationId xmlns:p14="http://schemas.microsoft.com/office/powerpoint/2010/main" val="969603112"/>
+      </p:ext>
+    </p:extLst>
+  </p:cSld>
+  <p:clrMapOvr>
+    <a:masterClrMapping/>
+  </p:clrMapOvr>
+</p:notes>
+</file>
+
+<file path=ppt/notesSlides/notesSlide9.xml><?xml version="1.0" encoding="utf-8"?>
+<p:notes xmlns:a="http://schemas.openxmlformats.org/drawingml/2006/main" xmlns:r="http://schemas.openxmlformats.org/officeDocument/2006/relationships" xmlns:p="http://schemas.openxmlformats.org/presentationml/2006/main">
+  <p:cSld>
+    <p:spTree>
+      <p:nvGrpSpPr>
+        <p:cNvPr id="1" name=""/>
+        <p:cNvGrpSpPr/>
+        <p:nvPr/>
+      </p:nvGrpSpPr>
+      <p:grpSpPr>
+        <a:xfrm>
+          <a:off x="0" y="0"/>
+          <a:ext cx="0" cy="0"/>
+          <a:chOff x="0" y="0"/>
+          <a:chExt cx="0" cy="0"/>
+        </a:xfrm>
+      </p:grpSpPr>
+      <p:sp>
+        <p:nvSpPr>
+          <p:cNvPr id="2" name="Espace réservé de l'image des diapositives 1"/>
+          <p:cNvSpPr>
+            <a:spLocks noGrp="1" noRot="1" noChangeAspect="1"/>
+          </p:cNvSpPr>
+          <p:nvPr>
+            <p:ph type="sldImg"/>
+          </p:nvPr>
+        </p:nvSpPr>
+        <p:spPr/>
+      </p:sp>
+      <p:sp>
+        <p:nvSpPr>
+          <p:cNvPr id="3" name="Espace réservé des notes 2"/>
+          <p:cNvSpPr>
+            <a:spLocks noGrp="1"/>
+          </p:cNvSpPr>
+          <p:nvPr>
+            <p:ph type="body" idx="1"/>
+          </p:nvPr>
+        </p:nvSpPr>
+        <p:spPr/>
+        <p:txBody>
+          <a:bodyPr/>
+          <a:lstStyle/>
+          <a:p>
+            <a:pPr marL="171450" indent="-171450">
+              <a:buFontTx/>
+              <a:buChar char="-"/>
+            </a:pPr>
+            <a:r>
+              <a:rPr lang="fr-CH" dirty="0"/>
+              <a:t>En ce qui concerne les intervalles :  Ils sont grands ce qui permet de s’assurer qu’un intervalle contient forcément un </a:t>
+            </a:r>
+            <a:r>
+              <a:rPr lang="fr-CH" dirty="0" err="1"/>
+              <a:t>evenement</a:t>
+            </a:r>
+            <a:r>
+              <a:rPr lang="fr-CH" dirty="0"/>
+              <a:t> réellement passé</a:t>
+            </a:r>
+          </a:p>
+          <a:p>
+            <a:pPr marL="171450" indent="-171450">
+              <a:buFontTx/>
+              <a:buChar char="-"/>
+            </a:pPr>
+            <a:r>
+              <a:rPr lang="fr-CH" dirty="0"/>
+              <a:t>On a trois cas de figure</a:t>
+            </a:r>
+          </a:p>
+          <a:p>
+            <a:pPr marL="171450" indent="-171450">
+              <a:buFontTx/>
+              <a:buChar char="-"/>
+            </a:pPr>
+            <a:r>
+              <a:rPr lang="fr-CH" dirty="0"/>
+              <a:t>1 ) On a de bons intervalle : on choisit les vrais et met no </a:t>
+            </a:r>
+            <a:r>
+              <a:rPr lang="fr-CH" dirty="0" err="1"/>
+              <a:t>event</a:t>
+            </a:r>
+            <a:r>
+              <a:rPr lang="fr-CH" dirty="0"/>
+              <a:t> les autres</a:t>
+            </a:r>
+          </a:p>
+          <a:p>
+            <a:pPr marL="171450" indent="-171450">
+              <a:buFontTx/>
+              <a:buChar char="-"/>
+            </a:pPr>
+            <a:r>
+              <a:rPr lang="fr-CH" dirty="0"/>
+              <a:t>2 ) Que des </a:t>
+            </a:r>
+            <a:r>
+              <a:rPr lang="fr-CH" dirty="0" err="1"/>
+              <a:t>Foot_Off</a:t>
+            </a:r>
+            <a:r>
+              <a:rPr lang="fr-CH" dirty="0"/>
+              <a:t> :  on choisit en on calcule le strike selon les moyennes </a:t>
+            </a:r>
+            <a:r>
+              <a:rPr lang="fr-CH" dirty="0" err="1"/>
+              <a:t>consernant</a:t>
+            </a:r>
+            <a:r>
+              <a:rPr lang="fr-CH" dirty="0"/>
+              <a:t> la marche du patient (observation  de régularité dans la marche)</a:t>
+            </a:r>
+          </a:p>
+          <a:p>
+            <a:pPr marL="171450" indent="-171450">
+              <a:buFontTx/>
+              <a:buChar char="-"/>
+            </a:pPr>
+            <a:r>
+              <a:rPr lang="fr-CH" dirty="0"/>
+              <a:t>3 ) Que des Foot Strike</a:t>
+            </a:r>
+          </a:p>
+        </p:txBody>
+      </p:sp>
+      <p:sp>
+        <p:nvSpPr>
+          <p:cNvPr id="4" name="Espace réservé du numéro de diapositive 3"/>
+          <p:cNvSpPr>
+            <a:spLocks noGrp="1"/>
+          </p:cNvSpPr>
+          <p:nvPr>
+            <p:ph type="sldNum" sz="quarter" idx="5"/>
+          </p:nvPr>
+        </p:nvSpPr>
+        <p:spPr/>
+        <p:txBody>
+          <a:bodyPr/>
+          <a:lstStyle/>
+          <a:p>
+            <a:fld id="{EA09D15A-A690-48C5-831F-EB8D1A27C682}" type="slidenum">
+              <a:rPr lang="fr-CH" smtClean="0"/>
+              <a:t>9</a:t>
+            </a:fld>
+            <a:endParaRPr lang="fr-CH"/>
+          </a:p>
+        </p:txBody>
+      </p:sp>
+    </p:spTree>
+    <p:extLst>
+      <p:ext uri="{BB962C8B-B14F-4D97-AF65-F5344CB8AC3E}">
+        <p14:creationId xmlns:p14="http://schemas.microsoft.com/office/powerpoint/2010/main" val="2170241745"/>
+      </p:ext>
+    </p:extLst>
+  </p:cSld>
+  <p:clrMapOvr>
+    <a:masterClrMapping/>
+  </p:clrMapOvr>
+</p:notes>
+</file>
+
 <file path=ppt/slideLayouts/slideLayout1.xml><?xml version="1.0" encoding="utf-8"?>
 <p:sldLayout xmlns:a="http://schemas.openxmlformats.org/drawingml/2006/main" xmlns:r="http://schemas.openxmlformats.org/officeDocument/2006/relationships" xmlns:p="http://schemas.openxmlformats.org/presentationml/2006/main" type="title" preserve="1">
   <p:cSld name="Diapositive de titre">
@@ -628,7 +3012,7 @@
           <a:p>
             <a:fld id="{F182455C-067C-423E-A655-03CE533CCAFC}" type="datetime1">
               <a:rPr lang="fr-CH" smtClean="0"/>
-              <a:t>26.06.2019</a:t>
+              <a:t>27.06.2019</a:t>
             </a:fld>
             <a:endParaRPr lang="fr-CH"/>
           </a:p>
@@ -828,7 +3212,7 @@
           <a:p>
             <a:fld id="{C9690FF2-6E3B-495C-A4F5-5AB309D64786}" type="datetime1">
               <a:rPr lang="fr-CH" smtClean="0"/>
-              <a:t>26.06.2019</a:t>
+              <a:t>27.06.2019</a:t>
             </a:fld>
             <a:endParaRPr lang="fr-CH"/>
           </a:p>
@@ -1038,7 +3422,7 @@
           <a:p>
             <a:fld id="{383C883E-AC23-4575-AD11-FC2D9380B902}" type="datetime1">
               <a:rPr lang="fr-CH" smtClean="0"/>
-              <a:t>26.06.2019</a:t>
+              <a:t>27.06.2019</a:t>
             </a:fld>
             <a:endParaRPr lang="fr-CH"/>
           </a:p>
@@ -1238,7 +3622,7 @@
           <a:p>
             <a:fld id="{32CA9BE2-49B1-4516-942E-04BA6890525A}" type="datetime1">
               <a:rPr lang="fr-CH" smtClean="0"/>
-              <a:t>26.06.2019</a:t>
+              <a:t>27.06.2019</a:t>
             </a:fld>
             <a:endParaRPr lang="fr-CH"/>
           </a:p>
@@ -1514,7 +3898,7 @@
           <a:p>
             <a:fld id="{130FC114-B2B5-496C-8A57-BB12C688C93B}" type="datetime1">
               <a:rPr lang="fr-CH" smtClean="0"/>
-              <a:t>26.06.2019</a:t>
+              <a:t>27.06.2019</a:t>
             </a:fld>
             <a:endParaRPr lang="fr-CH"/>
           </a:p>
@@ -1782,7 +4166,7 @@
           <a:p>
             <a:fld id="{EAA7C05C-FA7A-458F-8A97-9A89DA2B1875}" type="datetime1">
               <a:rPr lang="fr-CH" smtClean="0"/>
-              <a:t>26.06.2019</a:t>
+              <a:t>27.06.2019</a:t>
             </a:fld>
             <a:endParaRPr lang="fr-CH"/>
           </a:p>
@@ -2197,7 +4581,7 @@
           <a:p>
             <a:fld id="{143B71C9-5689-44AD-AEBA-FB2EFF79224D}" type="datetime1">
               <a:rPr lang="fr-CH" smtClean="0"/>
-              <a:t>26.06.2019</a:t>
+              <a:t>27.06.2019</a:t>
             </a:fld>
             <a:endParaRPr lang="fr-CH"/>
           </a:p>
@@ -2339,7 +4723,7 @@
           <a:p>
             <a:fld id="{3CE21325-97E8-4903-B74E-537B342E75C5}" type="datetime1">
               <a:rPr lang="fr-CH" smtClean="0"/>
-              <a:t>26.06.2019</a:t>
+              <a:t>27.06.2019</a:t>
             </a:fld>
             <a:endParaRPr lang="fr-CH"/>
           </a:p>
@@ -2452,7 +4836,7 @@
           <a:p>
             <a:fld id="{DEA633E5-CD74-4C59-8A9D-FA39F1F977ED}" type="datetime1">
               <a:rPr lang="fr-CH" smtClean="0"/>
-              <a:t>26.06.2019</a:t>
+              <a:t>27.06.2019</a:t>
             </a:fld>
             <a:endParaRPr lang="fr-CH"/>
           </a:p>
@@ -2765,7 +5149,7 @@
           <a:p>
             <a:fld id="{FF586F6F-96A0-4E1A-91A8-44A42BD41853}" type="datetime1">
               <a:rPr lang="fr-CH" smtClean="0"/>
-              <a:t>26.06.2019</a:t>
+              <a:t>27.06.2019</a:t>
             </a:fld>
             <a:endParaRPr lang="fr-CH"/>
           </a:p>
@@ -3054,7 +5438,7 @@
           <a:p>
             <a:fld id="{039D535B-0AE5-4818-9A05-57B7189BB017}" type="datetime1">
               <a:rPr lang="fr-CH" smtClean="0"/>
-              <a:t>26.06.2019</a:t>
+              <a:t>27.06.2019</a:t>
             </a:fld>
             <a:endParaRPr lang="fr-CH"/>
           </a:p>
@@ -3297,7 +5681,7 @@
           <a:p>
             <a:fld id="{E7E85F20-F0FD-4A3E-8AB2-C334E3CC8A26}" type="datetime1">
               <a:rPr lang="fr-CH" smtClean="0"/>
-              <a:t>26.06.2019</a:t>
+              <a:t>27.06.2019</a:t>
             </a:fld>
             <a:endParaRPr lang="fr-CH"/>
           </a:p>
@@ -4041,7 +6425,7 @@
                 <a:avLst/>
               </a:prstGeom>
               <a:blipFill>
-                <a:blip r:embed="rId2"/>
+                <a:blip r:embed="rId3"/>
                 <a:stretch>
                   <a:fillRect l="-4654" t="-24286" b="-51429"/>
                 </a:stretch>
@@ -4077,7 +6461,7 @@
           <p:nvPr/>
         </p:nvPicPr>
         <p:blipFill>
-          <a:blip r:embed="rId3"/>
+          <a:blip r:embed="rId4"/>
           <a:stretch>
             <a:fillRect/>
           </a:stretch>
@@ -5347,7 +7731,7 @@
           <p:nvPr/>
         </p:nvPicPr>
         <p:blipFill>
-          <a:blip r:embed="rId2"/>
+          <a:blip r:embed="rId3"/>
           <a:stretch>
             <a:fillRect/>
           </a:stretch>
@@ -6460,7 +8844,7 @@
           <p:nvPr/>
         </p:nvPicPr>
         <p:blipFill>
-          <a:blip r:embed="rId2"/>
+          <a:blip r:embed="rId3"/>
           <a:stretch>
             <a:fillRect/>
           </a:stretch>
@@ -7439,7 +9823,7 @@
           <p:nvPr/>
         </p:nvPicPr>
         <p:blipFill>
-          <a:blip r:embed="rId2"/>
+          <a:blip r:embed="rId3"/>
           <a:stretch>
             <a:fillRect/>
           </a:stretch>
@@ -8402,7 +10786,7 @@
           <p:nvPr/>
         </p:nvPicPr>
         <p:blipFill>
-          <a:blip r:embed="rId2">
+          <a:blip r:embed="rId3">
             <a:extLst>
               <a:ext uri="{28A0092B-C50C-407E-A947-70E740481C1C}">
                 <a14:useLocalDpi xmlns:a14="http://schemas.microsoft.com/office/drawing/2010/main" val="0"/>
@@ -8429,42 +10813,6 @@
             <a:extLst>
               <a:ext uri="{FF2B5EF4-FFF2-40B4-BE49-F238E27FC236}">
                 <a16:creationId xmlns:a16="http://schemas.microsoft.com/office/drawing/2014/main" id="{08609AB0-9125-4666-8D31-7289CF41353C}"/>
-              </a:ext>
-            </a:extLst>
-          </p:cNvPr>
-          <p:cNvPicPr>
-            <a:picLocks noChangeAspect="1"/>
-          </p:cNvPicPr>
-          <p:nvPr/>
-        </p:nvPicPr>
-        <p:blipFill>
-          <a:blip r:embed="rId3">
-            <a:extLst>
-              <a:ext uri="{28A0092B-C50C-407E-A947-70E740481C1C}">
-                <a14:useLocalDpi xmlns:a14="http://schemas.microsoft.com/office/drawing/2010/main" val="0"/>
-              </a:ext>
-            </a:extLst>
-          </a:blip>
-          <a:stretch>
-            <a:fillRect/>
-          </a:stretch>
-        </p:blipFill>
-        <p:spPr>
-          <a:xfrm>
-            <a:off x="3149975" y="4503805"/>
-            <a:ext cx="854391" cy="854391"/>
-          </a:xfrm>
-          <a:prstGeom prst="rect">
-            <a:avLst/>
-          </a:prstGeom>
-        </p:spPr>
-      </p:pic>
-      <p:pic>
-        <p:nvPicPr>
-          <p:cNvPr id="12" name="Image 11">
-            <a:extLst>
-              <a:ext uri="{FF2B5EF4-FFF2-40B4-BE49-F238E27FC236}">
-                <a16:creationId xmlns:a16="http://schemas.microsoft.com/office/drawing/2014/main" id="{7129B837-07AC-400D-BBFD-140461A65BAE}"/>
               </a:ext>
             </a:extLst>
           </p:cNvPr>
@@ -8487,6 +10835,42 @@
         </p:blipFill>
         <p:spPr>
           <a:xfrm>
+            <a:off x="3149975" y="4503805"/>
+            <a:ext cx="854391" cy="854391"/>
+          </a:xfrm>
+          <a:prstGeom prst="rect">
+            <a:avLst/>
+          </a:prstGeom>
+        </p:spPr>
+      </p:pic>
+      <p:pic>
+        <p:nvPicPr>
+          <p:cNvPr id="12" name="Image 11">
+            <a:extLst>
+              <a:ext uri="{FF2B5EF4-FFF2-40B4-BE49-F238E27FC236}">
+                <a16:creationId xmlns:a16="http://schemas.microsoft.com/office/drawing/2014/main" id="{7129B837-07AC-400D-BBFD-140461A65BAE}"/>
+              </a:ext>
+            </a:extLst>
+          </p:cNvPr>
+          <p:cNvPicPr>
+            <a:picLocks noChangeAspect="1"/>
+          </p:cNvPicPr>
+          <p:nvPr/>
+        </p:nvPicPr>
+        <p:blipFill>
+          <a:blip r:embed="rId5">
+            <a:extLst>
+              <a:ext uri="{28A0092B-C50C-407E-A947-70E740481C1C}">
+                <a14:useLocalDpi xmlns:a14="http://schemas.microsoft.com/office/drawing/2010/main" val="0"/>
+              </a:ext>
+            </a:extLst>
+          </a:blip>
+          <a:stretch>
+            <a:fillRect/>
+          </a:stretch>
+        </p:blipFill>
+        <p:spPr>
+          <a:xfrm>
             <a:off x="3149975" y="3374826"/>
             <a:ext cx="741878" cy="741878"/>
           </a:xfrm>
@@ -8499,6 +10883,156 @@
     <p:extLst>
       <p:ext uri="{BB962C8B-B14F-4D97-AF65-F5344CB8AC3E}">
         <p14:creationId xmlns:p14="http://schemas.microsoft.com/office/powerpoint/2010/main" val="2146025156"/>
+      </p:ext>
+    </p:extLst>
+  </p:cSld>
+  <p:clrMapOvr>
+    <a:masterClrMapping/>
+  </p:clrMapOvr>
+</p:sld>
+</file>
+
+<file path=ppt/slides/slide16.xml><?xml version="1.0" encoding="utf-8"?>
+<p:sld xmlns:a="http://schemas.openxmlformats.org/drawingml/2006/main" xmlns:r="http://schemas.openxmlformats.org/officeDocument/2006/relationships" xmlns:p="http://schemas.openxmlformats.org/presentationml/2006/main">
+  <p:cSld>
+    <p:spTree>
+      <p:nvGrpSpPr>
+        <p:cNvPr id="1" name=""/>
+        <p:cNvGrpSpPr/>
+        <p:nvPr/>
+      </p:nvGrpSpPr>
+      <p:grpSpPr>
+        <a:xfrm>
+          <a:off x="0" y="0"/>
+          <a:ext cx="0" cy="0"/>
+          <a:chOff x="0" y="0"/>
+          <a:chExt cx="0" cy="0"/>
+        </a:xfrm>
+      </p:grpSpPr>
+      <p:sp>
+        <p:nvSpPr>
+          <p:cNvPr id="2" name="Titre 1">
+            <a:extLst>
+              <a:ext uri="{FF2B5EF4-FFF2-40B4-BE49-F238E27FC236}">
+                <a16:creationId xmlns:a16="http://schemas.microsoft.com/office/drawing/2014/main" id="{F3F03479-D589-496B-887B-37194709D990}"/>
+              </a:ext>
+            </a:extLst>
+          </p:cNvPr>
+          <p:cNvSpPr>
+            <a:spLocks noGrp="1"/>
+          </p:cNvSpPr>
+          <p:nvPr>
+            <p:ph type="ctrTitle"/>
+          </p:nvPr>
+        </p:nvSpPr>
+        <p:spPr>
+          <a:xfrm>
+            <a:off x="1524000" y="868362"/>
+            <a:ext cx="9144000" cy="2387600"/>
+          </a:xfrm>
+        </p:spPr>
+        <p:txBody>
+          <a:bodyPr/>
+          <a:lstStyle/>
+          <a:p>
+            <a:r>
+              <a:rPr lang="fr-CH" dirty="0"/>
+              <a:t>SofameHack2019</a:t>
+            </a:r>
+          </a:p>
+        </p:txBody>
+      </p:sp>
+      <p:sp>
+        <p:nvSpPr>
+          <p:cNvPr id="3" name="Sous-titre 2">
+            <a:extLst>
+              <a:ext uri="{FF2B5EF4-FFF2-40B4-BE49-F238E27FC236}">
+                <a16:creationId xmlns:a16="http://schemas.microsoft.com/office/drawing/2014/main" id="{0063D827-2F57-42FD-BB21-91454C9448D6}"/>
+              </a:ext>
+            </a:extLst>
+          </p:cNvPr>
+          <p:cNvSpPr>
+            <a:spLocks noGrp="1"/>
+          </p:cNvSpPr>
+          <p:nvPr>
+            <p:ph type="subTitle" idx="1"/>
+          </p:nvPr>
+        </p:nvSpPr>
+        <p:spPr>
+          <a:xfrm>
+            <a:off x="1524000" y="3490422"/>
+            <a:ext cx="9144000" cy="2523554"/>
+          </a:xfrm>
+        </p:spPr>
+        <p:txBody>
+          <a:bodyPr>
+            <a:normAutofit/>
+          </a:bodyPr>
+          <a:lstStyle/>
+          <a:p>
+            <a:r>
+              <a:rPr lang="fr-CH" sz="2800" dirty="0"/>
+              <a:t>Data Mining Project</a:t>
+            </a:r>
+          </a:p>
+          <a:p>
+            <a:endParaRPr lang="fr-CH" dirty="0"/>
+          </a:p>
+          <a:p>
+            <a:endParaRPr lang="fr-CH" dirty="0"/>
+          </a:p>
+          <a:p>
+            <a:r>
+              <a:rPr lang="fr-CH" dirty="0"/>
+              <a:t>Marvin Fourastié</a:t>
+            </a:r>
+          </a:p>
+          <a:p>
+            <a:r>
+              <a:rPr lang="fr-CH" dirty="0"/>
+              <a:t>Patrick </a:t>
+            </a:r>
+            <a:r>
+              <a:rPr lang="fr-CH" dirty="0" err="1"/>
+              <a:t>Sardinha</a:t>
+            </a:r>
+            <a:endParaRPr lang="fr-CH" dirty="0"/>
+          </a:p>
+        </p:txBody>
+      </p:sp>
+      <p:sp>
+        <p:nvSpPr>
+          <p:cNvPr id="4" name="Espace réservé du numéro de diapositive 3">
+            <a:extLst>
+              <a:ext uri="{FF2B5EF4-FFF2-40B4-BE49-F238E27FC236}">
+                <a16:creationId xmlns:a16="http://schemas.microsoft.com/office/drawing/2014/main" id="{8FBB5D51-FFC6-44BA-B4CE-A3BA4BB3F7A9}"/>
+              </a:ext>
+            </a:extLst>
+          </p:cNvPr>
+          <p:cNvSpPr>
+            <a:spLocks noGrp="1"/>
+          </p:cNvSpPr>
+          <p:nvPr>
+            <p:ph type="sldNum" sz="quarter" idx="12"/>
+          </p:nvPr>
+        </p:nvSpPr>
+        <p:spPr/>
+        <p:txBody>
+          <a:bodyPr/>
+          <a:lstStyle/>
+          <a:p>
+            <a:fld id="{FE21430F-B780-490E-8AA1-FAD6D24E0C3D}" type="slidenum">
+              <a:rPr lang="fr-CH" smtClean="0"/>
+              <a:t>16</a:t>
+            </a:fld>
+            <a:endParaRPr lang="fr-CH"/>
+          </a:p>
+        </p:txBody>
+      </p:sp>
+    </p:spTree>
+    <p:extLst>
+      <p:ext uri="{BB962C8B-B14F-4D97-AF65-F5344CB8AC3E}">
+        <p14:creationId xmlns:p14="http://schemas.microsoft.com/office/powerpoint/2010/main" val="2269150314"/>
       </p:ext>
     </p:extLst>
   </p:cSld>
@@ -8540,7 +11074,7 @@
           <p:nvPr/>
         </p:nvPicPr>
         <p:blipFill>
-          <a:blip r:embed="rId2"/>
+          <a:blip r:embed="rId3"/>
           <a:stretch>
             <a:fillRect/>
           </a:stretch>
@@ -8977,7 +11511,7 @@
           <a:p>
             <a:r>
               <a:rPr lang="fr-CH" dirty="0"/>
-              <a:t>Datas</a:t>
+              <a:t>Data</a:t>
             </a:r>
           </a:p>
         </p:txBody>
@@ -9026,7 +11560,7 @@
           <p:nvPr/>
         </p:nvPicPr>
         <p:blipFill>
-          <a:blip r:embed="rId2"/>
+          <a:blip r:embed="rId3"/>
           <a:stretch>
             <a:fillRect/>
           </a:stretch>
@@ -9056,7 +11590,7 @@
           <p:nvPr/>
         </p:nvPicPr>
         <p:blipFill rotWithShape="1">
-          <a:blip r:embed="rId3"/>
+          <a:blip r:embed="rId4"/>
           <a:srcRect r="19757"/>
           <a:stretch/>
         </p:blipFill>
@@ -9115,7 +11649,7 @@
           <p:nvPr/>
         </p:nvPicPr>
         <p:blipFill>
-          <a:blip r:embed="rId2"/>
+          <a:blip r:embed="rId3"/>
           <a:stretch>
             <a:fillRect/>
           </a:stretch>
@@ -9203,7 +11737,7 @@
           <p:nvPr/>
         </p:nvPicPr>
         <p:blipFill>
-          <a:blip r:embed="rId3"/>
+          <a:blip r:embed="rId4"/>
           <a:stretch>
             <a:fillRect/>
           </a:stretch>
@@ -9432,6 +11966,889 @@
           </a:p>
         </p:txBody>
       </p:sp>
+      <p:sp>
+        <p:nvSpPr>
+          <p:cNvPr id="4" name="Rectangle : coins arrondis 3">
+            <a:extLst>
+              <a:ext uri="{FF2B5EF4-FFF2-40B4-BE49-F238E27FC236}">
+                <a16:creationId xmlns:a16="http://schemas.microsoft.com/office/drawing/2014/main" id="{874DC696-0FDA-43B4-B81A-75EA6B7FAE89}"/>
+              </a:ext>
+            </a:extLst>
+          </p:cNvPr>
+          <p:cNvSpPr/>
+          <p:nvPr/>
+        </p:nvSpPr>
+        <p:spPr>
+          <a:xfrm>
+            <a:off x="4312920" y="1908810"/>
+            <a:ext cx="3566160" cy="620074"/>
+          </a:xfrm>
+          <a:prstGeom prst="roundRect">
+            <a:avLst/>
+          </a:prstGeom>
+          <a:noFill/>
+          <a:ln w="38100"/>
+        </p:spPr>
+        <p:style>
+          <a:lnRef idx="2">
+            <a:schemeClr val="accent1">
+              <a:shade val="50000"/>
+            </a:schemeClr>
+          </a:lnRef>
+          <a:fillRef idx="1">
+            <a:schemeClr val="accent1"/>
+          </a:fillRef>
+          <a:effectRef idx="0">
+            <a:schemeClr val="accent1"/>
+          </a:effectRef>
+          <a:fontRef idx="minor">
+            <a:schemeClr val="lt1"/>
+          </a:fontRef>
+        </p:style>
+        <p:txBody>
+          <a:bodyPr rtlCol="0" anchor="ctr"/>
+          <a:lstStyle/>
+          <a:p>
+            <a:pPr algn="ctr"/>
+            <a:r>
+              <a:rPr lang="fr-CH" b="1" i="1" dirty="0" err="1">
+                <a:solidFill>
+                  <a:schemeClr val="tx1"/>
+                </a:solidFill>
+              </a:rPr>
+              <a:t>Attribute</a:t>
+            </a:r>
+            <a:r>
+              <a:rPr lang="fr-CH" b="1" i="1" dirty="0">
+                <a:solidFill>
+                  <a:schemeClr val="tx1"/>
+                </a:solidFill>
+              </a:rPr>
+              <a:t> 1</a:t>
+            </a:r>
+          </a:p>
+        </p:txBody>
+      </p:sp>
+      <p:sp>
+        <p:nvSpPr>
+          <p:cNvPr id="6" name="Rectangle : coins arrondis 5">
+            <a:extLst>
+              <a:ext uri="{FF2B5EF4-FFF2-40B4-BE49-F238E27FC236}">
+                <a16:creationId xmlns:a16="http://schemas.microsoft.com/office/drawing/2014/main" id="{6B4A4F95-07C1-4A3C-B195-D51C50C43D4B}"/>
+              </a:ext>
+            </a:extLst>
+          </p:cNvPr>
+          <p:cNvSpPr/>
+          <p:nvPr/>
+        </p:nvSpPr>
+        <p:spPr>
+          <a:xfrm>
+            <a:off x="7879080" y="3787142"/>
+            <a:ext cx="2346960" cy="620074"/>
+          </a:xfrm>
+          <a:prstGeom prst="roundRect">
+            <a:avLst/>
+          </a:prstGeom>
+          <a:noFill/>
+          <a:ln w="38100"/>
+        </p:spPr>
+        <p:style>
+          <a:lnRef idx="2">
+            <a:schemeClr val="accent1">
+              <a:shade val="50000"/>
+            </a:schemeClr>
+          </a:lnRef>
+          <a:fillRef idx="1">
+            <a:schemeClr val="accent1"/>
+          </a:fillRef>
+          <a:effectRef idx="0">
+            <a:schemeClr val="accent1"/>
+          </a:effectRef>
+          <a:fontRef idx="minor">
+            <a:schemeClr val="lt1"/>
+          </a:fontRef>
+        </p:style>
+        <p:txBody>
+          <a:bodyPr rtlCol="0" anchor="ctr"/>
+          <a:lstStyle/>
+          <a:p>
+            <a:pPr algn="ctr"/>
+            <a:r>
+              <a:rPr lang="fr-CH" b="1" i="1" dirty="0" err="1">
+                <a:solidFill>
+                  <a:schemeClr val="tx1"/>
+                </a:solidFill>
+              </a:rPr>
+              <a:t>Attribute</a:t>
+            </a:r>
+            <a:r>
+              <a:rPr lang="fr-CH" b="1" i="1" dirty="0">
+                <a:solidFill>
+                  <a:schemeClr val="tx1"/>
+                </a:solidFill>
+              </a:rPr>
+              <a:t> 3</a:t>
+            </a:r>
+          </a:p>
+        </p:txBody>
+      </p:sp>
+      <p:sp>
+        <p:nvSpPr>
+          <p:cNvPr id="7" name="Rectangle : coins arrondis 6">
+            <a:extLst>
+              <a:ext uri="{FF2B5EF4-FFF2-40B4-BE49-F238E27FC236}">
+                <a16:creationId xmlns:a16="http://schemas.microsoft.com/office/drawing/2014/main" id="{D62A34D3-07E1-4AB2-B466-8A1E040FAAB5}"/>
+              </a:ext>
+            </a:extLst>
+          </p:cNvPr>
+          <p:cNvSpPr/>
+          <p:nvPr/>
+        </p:nvSpPr>
+        <p:spPr>
+          <a:xfrm>
+            <a:off x="626749" y="5471155"/>
+            <a:ext cx="1344930" cy="620075"/>
+          </a:xfrm>
+          <a:prstGeom prst="roundRect">
+            <a:avLst/>
+          </a:prstGeom>
+          <a:noFill/>
+          <a:ln w="38100"/>
+        </p:spPr>
+        <p:style>
+          <a:lnRef idx="2">
+            <a:schemeClr val="accent1">
+              <a:shade val="50000"/>
+            </a:schemeClr>
+          </a:lnRef>
+          <a:fillRef idx="1">
+            <a:schemeClr val="accent1"/>
+          </a:fillRef>
+          <a:effectRef idx="0">
+            <a:schemeClr val="accent1"/>
+          </a:effectRef>
+          <a:fontRef idx="minor">
+            <a:schemeClr val="lt1"/>
+          </a:fontRef>
+        </p:style>
+        <p:txBody>
+          <a:bodyPr rtlCol="0" anchor="ctr"/>
+          <a:lstStyle/>
+          <a:p>
+            <a:pPr algn="ctr"/>
+            <a:r>
+              <a:rPr lang="fr-CH" dirty="0">
+                <a:solidFill>
+                  <a:schemeClr val="tx1"/>
+                </a:solidFill>
+              </a:rPr>
+              <a:t>y1</a:t>
+            </a:r>
+          </a:p>
+        </p:txBody>
+      </p:sp>
+      <p:sp>
+        <p:nvSpPr>
+          <p:cNvPr id="8" name="Rectangle : coins arrondis 7">
+            <a:extLst>
+              <a:ext uri="{FF2B5EF4-FFF2-40B4-BE49-F238E27FC236}">
+                <a16:creationId xmlns:a16="http://schemas.microsoft.com/office/drawing/2014/main" id="{65959CC4-2064-49E8-A85D-774C0B71C7C7}"/>
+              </a:ext>
+            </a:extLst>
+          </p:cNvPr>
+          <p:cNvSpPr/>
+          <p:nvPr/>
+        </p:nvSpPr>
+        <p:spPr>
+          <a:xfrm>
+            <a:off x="4434840" y="5471159"/>
+            <a:ext cx="1344930" cy="620074"/>
+          </a:xfrm>
+          <a:prstGeom prst="roundRect">
+            <a:avLst/>
+          </a:prstGeom>
+          <a:noFill/>
+          <a:ln w="38100"/>
+        </p:spPr>
+        <p:style>
+          <a:lnRef idx="2">
+            <a:schemeClr val="accent1">
+              <a:shade val="50000"/>
+            </a:schemeClr>
+          </a:lnRef>
+          <a:fillRef idx="1">
+            <a:schemeClr val="accent1"/>
+          </a:fillRef>
+          <a:effectRef idx="0">
+            <a:schemeClr val="accent1"/>
+          </a:effectRef>
+          <a:fontRef idx="minor">
+            <a:schemeClr val="lt1"/>
+          </a:fontRef>
+        </p:style>
+        <p:txBody>
+          <a:bodyPr rtlCol="0" anchor="ctr"/>
+          <a:lstStyle/>
+          <a:p>
+            <a:pPr algn="ctr"/>
+            <a:r>
+              <a:rPr lang="fr-CH" dirty="0">
+                <a:solidFill>
+                  <a:schemeClr val="tx1"/>
+                </a:solidFill>
+              </a:rPr>
+              <a:t>y2</a:t>
+            </a:r>
+          </a:p>
+        </p:txBody>
+      </p:sp>
+      <p:sp>
+        <p:nvSpPr>
+          <p:cNvPr id="9" name="Rectangle : coins arrondis 8">
+            <a:extLst>
+              <a:ext uri="{FF2B5EF4-FFF2-40B4-BE49-F238E27FC236}">
+                <a16:creationId xmlns:a16="http://schemas.microsoft.com/office/drawing/2014/main" id="{F4D6D93C-18BD-47E3-8C7E-B406CB73B01A}"/>
+              </a:ext>
+            </a:extLst>
+          </p:cNvPr>
+          <p:cNvSpPr/>
+          <p:nvPr/>
+        </p:nvSpPr>
+        <p:spPr>
+          <a:xfrm>
+            <a:off x="6534150" y="5471156"/>
+            <a:ext cx="1344930" cy="620075"/>
+          </a:xfrm>
+          <a:prstGeom prst="roundRect">
+            <a:avLst/>
+          </a:prstGeom>
+          <a:noFill/>
+          <a:ln w="38100"/>
+        </p:spPr>
+        <p:style>
+          <a:lnRef idx="2">
+            <a:schemeClr val="accent1">
+              <a:shade val="50000"/>
+            </a:schemeClr>
+          </a:lnRef>
+          <a:fillRef idx="1">
+            <a:schemeClr val="accent1"/>
+          </a:fillRef>
+          <a:effectRef idx="0">
+            <a:schemeClr val="accent1"/>
+          </a:effectRef>
+          <a:fontRef idx="minor">
+            <a:schemeClr val="lt1"/>
+          </a:fontRef>
+        </p:style>
+        <p:txBody>
+          <a:bodyPr rtlCol="0" anchor="ctr"/>
+          <a:lstStyle/>
+          <a:p>
+            <a:pPr algn="ctr"/>
+            <a:r>
+              <a:rPr lang="fr-CH" dirty="0">
+                <a:solidFill>
+                  <a:schemeClr val="tx1"/>
+                </a:solidFill>
+              </a:rPr>
+              <a:t>y1</a:t>
+            </a:r>
+          </a:p>
+        </p:txBody>
+      </p:sp>
+      <p:sp>
+        <p:nvSpPr>
+          <p:cNvPr id="10" name="Rectangle : coins arrondis 9">
+            <a:extLst>
+              <a:ext uri="{FF2B5EF4-FFF2-40B4-BE49-F238E27FC236}">
+                <a16:creationId xmlns:a16="http://schemas.microsoft.com/office/drawing/2014/main" id="{DD4C8625-87BF-4C87-971F-D6FD0FA2861F}"/>
+              </a:ext>
+            </a:extLst>
+          </p:cNvPr>
+          <p:cNvSpPr/>
+          <p:nvPr/>
+        </p:nvSpPr>
+        <p:spPr>
+          <a:xfrm>
+            <a:off x="10226040" y="5471156"/>
+            <a:ext cx="1344930" cy="620074"/>
+          </a:xfrm>
+          <a:prstGeom prst="roundRect">
+            <a:avLst/>
+          </a:prstGeom>
+          <a:noFill/>
+          <a:ln w="38100"/>
+        </p:spPr>
+        <p:style>
+          <a:lnRef idx="2">
+            <a:schemeClr val="accent1">
+              <a:shade val="50000"/>
+            </a:schemeClr>
+          </a:lnRef>
+          <a:fillRef idx="1">
+            <a:schemeClr val="accent1"/>
+          </a:fillRef>
+          <a:effectRef idx="0">
+            <a:schemeClr val="accent1"/>
+          </a:effectRef>
+          <a:fontRef idx="minor">
+            <a:schemeClr val="lt1"/>
+          </a:fontRef>
+        </p:style>
+        <p:txBody>
+          <a:bodyPr rtlCol="0" anchor="ctr"/>
+          <a:lstStyle/>
+          <a:p>
+            <a:pPr algn="ctr"/>
+            <a:r>
+              <a:rPr lang="fr-CH" dirty="0">
+                <a:solidFill>
+                  <a:schemeClr val="tx1"/>
+                </a:solidFill>
+              </a:rPr>
+              <a:t>y2</a:t>
+            </a:r>
+          </a:p>
+        </p:txBody>
+      </p:sp>
+      <p:cxnSp>
+        <p:nvCxnSpPr>
+          <p:cNvPr id="12" name="Connecteur droit avec flèche 11">
+            <a:extLst>
+              <a:ext uri="{FF2B5EF4-FFF2-40B4-BE49-F238E27FC236}">
+                <a16:creationId xmlns:a16="http://schemas.microsoft.com/office/drawing/2014/main" id="{DC06ED42-5C4E-4A10-B807-256DE6ECC0E7}"/>
+              </a:ext>
+            </a:extLst>
+          </p:cNvPr>
+          <p:cNvCxnSpPr>
+            <a:cxnSpLocks/>
+          </p:cNvCxnSpPr>
+          <p:nvPr/>
+        </p:nvCxnSpPr>
+        <p:spPr>
+          <a:xfrm flipH="1">
+            <a:off x="3383280" y="2628900"/>
+            <a:ext cx="845820" cy="1010922"/>
+          </a:xfrm>
+          <a:prstGeom prst="straightConnector1">
+            <a:avLst/>
+          </a:prstGeom>
+          <a:ln w="38100">
+            <a:solidFill>
+              <a:schemeClr val="tx1"/>
+            </a:solidFill>
+            <a:tailEnd type="triangle"/>
+          </a:ln>
+        </p:spPr>
+        <p:style>
+          <a:lnRef idx="1">
+            <a:schemeClr val="accent1"/>
+          </a:lnRef>
+          <a:fillRef idx="0">
+            <a:schemeClr val="accent1"/>
+          </a:fillRef>
+          <a:effectRef idx="0">
+            <a:schemeClr val="accent1"/>
+          </a:effectRef>
+          <a:fontRef idx="minor">
+            <a:schemeClr val="tx1"/>
+          </a:fontRef>
+        </p:style>
+      </p:cxnSp>
+      <p:cxnSp>
+        <p:nvCxnSpPr>
+          <p:cNvPr id="14" name="Connecteur droit avec flèche 13">
+            <a:extLst>
+              <a:ext uri="{FF2B5EF4-FFF2-40B4-BE49-F238E27FC236}">
+                <a16:creationId xmlns:a16="http://schemas.microsoft.com/office/drawing/2014/main" id="{3B649F9F-14E7-4506-A4B4-077A227CE2C8}"/>
+              </a:ext>
+            </a:extLst>
+          </p:cNvPr>
+          <p:cNvCxnSpPr>
+            <a:cxnSpLocks/>
+          </p:cNvCxnSpPr>
+          <p:nvPr/>
+        </p:nvCxnSpPr>
+        <p:spPr>
+          <a:xfrm>
+            <a:off x="7962902" y="2699703"/>
+            <a:ext cx="925830" cy="940119"/>
+          </a:xfrm>
+          <a:prstGeom prst="straightConnector1">
+            <a:avLst/>
+          </a:prstGeom>
+          <a:ln w="38100">
+            <a:solidFill>
+              <a:schemeClr val="tx1"/>
+            </a:solidFill>
+            <a:tailEnd type="triangle"/>
+          </a:ln>
+        </p:spPr>
+        <p:style>
+          <a:lnRef idx="1">
+            <a:schemeClr val="accent1"/>
+          </a:lnRef>
+          <a:fillRef idx="0">
+            <a:schemeClr val="accent1"/>
+          </a:fillRef>
+          <a:effectRef idx="0">
+            <a:schemeClr val="accent1"/>
+          </a:effectRef>
+          <a:fontRef idx="minor">
+            <a:schemeClr val="tx1"/>
+          </a:fontRef>
+        </p:style>
+      </p:cxnSp>
+      <p:cxnSp>
+        <p:nvCxnSpPr>
+          <p:cNvPr id="17" name="Connecteur droit avec flèche 16">
+            <a:extLst>
+              <a:ext uri="{FF2B5EF4-FFF2-40B4-BE49-F238E27FC236}">
+                <a16:creationId xmlns:a16="http://schemas.microsoft.com/office/drawing/2014/main" id="{97062044-F966-4BDC-A434-FA4A49384F6A}"/>
+              </a:ext>
+            </a:extLst>
+          </p:cNvPr>
+          <p:cNvCxnSpPr>
+            <a:cxnSpLocks/>
+          </p:cNvCxnSpPr>
+          <p:nvPr/>
+        </p:nvCxnSpPr>
+        <p:spPr>
+          <a:xfrm>
+            <a:off x="10069832" y="4491986"/>
+            <a:ext cx="925830" cy="940119"/>
+          </a:xfrm>
+          <a:prstGeom prst="straightConnector1">
+            <a:avLst/>
+          </a:prstGeom>
+          <a:ln w="38100">
+            <a:solidFill>
+              <a:srgbClr val="00B050"/>
+            </a:solidFill>
+            <a:tailEnd type="triangle"/>
+          </a:ln>
+        </p:spPr>
+        <p:style>
+          <a:lnRef idx="1">
+            <a:schemeClr val="accent1"/>
+          </a:lnRef>
+          <a:fillRef idx="0">
+            <a:schemeClr val="accent1"/>
+          </a:fillRef>
+          <a:effectRef idx="0">
+            <a:schemeClr val="accent1"/>
+          </a:effectRef>
+          <a:fontRef idx="minor">
+            <a:schemeClr val="tx1"/>
+          </a:fontRef>
+        </p:style>
+      </p:cxnSp>
+      <p:cxnSp>
+        <p:nvCxnSpPr>
+          <p:cNvPr id="18" name="Connecteur droit avec flèche 17">
+            <a:extLst>
+              <a:ext uri="{FF2B5EF4-FFF2-40B4-BE49-F238E27FC236}">
+                <a16:creationId xmlns:a16="http://schemas.microsoft.com/office/drawing/2014/main" id="{19B300CC-CAF3-403F-B120-53D666313E5E}"/>
+              </a:ext>
+            </a:extLst>
+          </p:cNvPr>
+          <p:cNvCxnSpPr>
+            <a:cxnSpLocks/>
+          </p:cNvCxnSpPr>
+          <p:nvPr/>
+        </p:nvCxnSpPr>
+        <p:spPr>
+          <a:xfrm>
+            <a:off x="4126232" y="4491986"/>
+            <a:ext cx="925830" cy="940119"/>
+          </a:xfrm>
+          <a:prstGeom prst="straightConnector1">
+            <a:avLst/>
+          </a:prstGeom>
+          <a:ln w="38100">
+            <a:solidFill>
+              <a:srgbClr val="00B050"/>
+            </a:solidFill>
+            <a:tailEnd type="triangle"/>
+          </a:ln>
+        </p:spPr>
+        <p:style>
+          <a:lnRef idx="1">
+            <a:schemeClr val="accent1"/>
+          </a:lnRef>
+          <a:fillRef idx="0">
+            <a:schemeClr val="accent1"/>
+          </a:fillRef>
+          <a:effectRef idx="0">
+            <a:schemeClr val="accent1"/>
+          </a:effectRef>
+          <a:fontRef idx="minor">
+            <a:schemeClr val="tx1"/>
+          </a:fontRef>
+        </p:style>
+      </p:cxnSp>
+      <p:cxnSp>
+        <p:nvCxnSpPr>
+          <p:cNvPr id="19" name="Connecteur droit avec flèche 18">
+            <a:extLst>
+              <a:ext uri="{FF2B5EF4-FFF2-40B4-BE49-F238E27FC236}">
+                <a16:creationId xmlns:a16="http://schemas.microsoft.com/office/drawing/2014/main" id="{1A9AC531-FD7B-4760-A7FF-39AAB3B7AE42}"/>
+              </a:ext>
+            </a:extLst>
+          </p:cNvPr>
+          <p:cNvCxnSpPr>
+            <a:cxnSpLocks/>
+          </p:cNvCxnSpPr>
+          <p:nvPr/>
+        </p:nvCxnSpPr>
+        <p:spPr>
+          <a:xfrm flipH="1">
+            <a:off x="1503045" y="4496591"/>
+            <a:ext cx="891544" cy="935514"/>
+          </a:xfrm>
+          <a:prstGeom prst="straightConnector1">
+            <a:avLst/>
+          </a:prstGeom>
+          <a:ln w="38100">
+            <a:solidFill>
+              <a:srgbClr val="FF0000"/>
+            </a:solidFill>
+            <a:tailEnd type="triangle"/>
+          </a:ln>
+        </p:spPr>
+        <p:style>
+          <a:lnRef idx="1">
+            <a:schemeClr val="accent1"/>
+          </a:lnRef>
+          <a:fillRef idx="0">
+            <a:schemeClr val="accent1"/>
+          </a:fillRef>
+          <a:effectRef idx="0">
+            <a:schemeClr val="accent1"/>
+          </a:effectRef>
+          <a:fontRef idx="minor">
+            <a:schemeClr val="tx1"/>
+          </a:fontRef>
+        </p:style>
+      </p:cxnSp>
+      <p:cxnSp>
+        <p:nvCxnSpPr>
+          <p:cNvPr id="21" name="Connecteur droit avec flèche 20">
+            <a:extLst>
+              <a:ext uri="{FF2B5EF4-FFF2-40B4-BE49-F238E27FC236}">
+                <a16:creationId xmlns:a16="http://schemas.microsoft.com/office/drawing/2014/main" id="{6CDE6313-E732-49BB-94DD-0428B2681922}"/>
+              </a:ext>
+            </a:extLst>
+          </p:cNvPr>
+          <p:cNvCxnSpPr>
+            <a:cxnSpLocks/>
+          </p:cNvCxnSpPr>
+          <p:nvPr/>
+        </p:nvCxnSpPr>
+        <p:spPr>
+          <a:xfrm flipH="1">
+            <a:off x="7206615" y="4496591"/>
+            <a:ext cx="891544" cy="935514"/>
+          </a:xfrm>
+          <a:prstGeom prst="straightConnector1">
+            <a:avLst/>
+          </a:prstGeom>
+          <a:ln w="38100">
+            <a:solidFill>
+              <a:srgbClr val="FF0000"/>
+            </a:solidFill>
+            <a:tailEnd type="triangle"/>
+          </a:ln>
+        </p:spPr>
+        <p:style>
+          <a:lnRef idx="1">
+            <a:schemeClr val="accent1"/>
+          </a:lnRef>
+          <a:fillRef idx="0">
+            <a:schemeClr val="accent1"/>
+          </a:fillRef>
+          <a:effectRef idx="0">
+            <a:schemeClr val="accent1"/>
+          </a:effectRef>
+          <a:fontRef idx="minor">
+            <a:schemeClr val="tx1"/>
+          </a:fontRef>
+        </p:style>
+      </p:cxnSp>
+      <p:sp>
+        <p:nvSpPr>
+          <p:cNvPr id="23" name="Rectangle : coins arrondis 22">
+            <a:extLst>
+              <a:ext uri="{FF2B5EF4-FFF2-40B4-BE49-F238E27FC236}">
+                <a16:creationId xmlns:a16="http://schemas.microsoft.com/office/drawing/2014/main" id="{48F7C113-741D-40E7-818A-305FCFA79DB2}"/>
+              </a:ext>
+            </a:extLst>
+          </p:cNvPr>
+          <p:cNvSpPr/>
+          <p:nvPr/>
+        </p:nvSpPr>
+        <p:spPr>
+          <a:xfrm>
+            <a:off x="1965960" y="3773963"/>
+            <a:ext cx="2346960" cy="620074"/>
+          </a:xfrm>
+          <a:prstGeom prst="roundRect">
+            <a:avLst/>
+          </a:prstGeom>
+          <a:noFill/>
+          <a:ln w="38100"/>
+        </p:spPr>
+        <p:style>
+          <a:lnRef idx="2">
+            <a:schemeClr val="accent1">
+              <a:shade val="50000"/>
+            </a:schemeClr>
+          </a:lnRef>
+          <a:fillRef idx="1">
+            <a:schemeClr val="accent1"/>
+          </a:fillRef>
+          <a:effectRef idx="0">
+            <a:schemeClr val="accent1"/>
+          </a:effectRef>
+          <a:fontRef idx="minor">
+            <a:schemeClr val="lt1"/>
+          </a:fontRef>
+        </p:style>
+        <p:txBody>
+          <a:bodyPr rtlCol="0" anchor="ctr"/>
+          <a:lstStyle/>
+          <a:p>
+            <a:pPr algn="ctr"/>
+            <a:r>
+              <a:rPr lang="fr-CH" b="1" i="1" dirty="0" err="1">
+                <a:solidFill>
+                  <a:schemeClr val="tx1"/>
+                </a:solidFill>
+              </a:rPr>
+              <a:t>Attribute</a:t>
+            </a:r>
+            <a:r>
+              <a:rPr lang="fr-CH" b="1" i="1" dirty="0">
+                <a:solidFill>
+                  <a:schemeClr val="tx1"/>
+                </a:solidFill>
+              </a:rPr>
+              <a:t> 2</a:t>
+            </a:r>
+          </a:p>
+        </p:txBody>
+      </p:sp>
+      <p:sp>
+        <p:nvSpPr>
+          <p:cNvPr id="24" name="ZoneTexte 23">
+            <a:extLst>
+              <a:ext uri="{FF2B5EF4-FFF2-40B4-BE49-F238E27FC236}">
+                <a16:creationId xmlns:a16="http://schemas.microsoft.com/office/drawing/2014/main" id="{25334AF9-7732-46AC-A874-37C471F40941}"/>
+              </a:ext>
+            </a:extLst>
+          </p:cNvPr>
+          <p:cNvSpPr txBox="1"/>
+          <p:nvPr/>
+        </p:nvSpPr>
+        <p:spPr>
+          <a:xfrm>
+            <a:off x="3093720" y="2713550"/>
+            <a:ext cx="845820" cy="369332"/>
+          </a:xfrm>
+          <a:prstGeom prst="rect">
+            <a:avLst/>
+          </a:prstGeom>
+          <a:noFill/>
+        </p:spPr>
+        <p:txBody>
+          <a:bodyPr wrap="square" rtlCol="0">
+            <a:spAutoFit/>
+          </a:bodyPr>
+          <a:lstStyle/>
+          <a:p>
+            <a:r>
+              <a:rPr lang="fr-CH" dirty="0"/>
+              <a:t>&lt; =  x1</a:t>
+            </a:r>
+          </a:p>
+        </p:txBody>
+      </p:sp>
+      <p:sp>
+        <p:nvSpPr>
+          <p:cNvPr id="25" name="ZoneTexte 24">
+            <a:extLst>
+              <a:ext uri="{FF2B5EF4-FFF2-40B4-BE49-F238E27FC236}">
+                <a16:creationId xmlns:a16="http://schemas.microsoft.com/office/drawing/2014/main" id="{D31778D7-A9E7-454B-B3C1-8EBA98734BB9}"/>
+              </a:ext>
+            </a:extLst>
+          </p:cNvPr>
+          <p:cNvSpPr txBox="1"/>
+          <p:nvPr/>
+        </p:nvSpPr>
+        <p:spPr>
+          <a:xfrm>
+            <a:off x="1080135" y="4777379"/>
+            <a:ext cx="845820" cy="369332"/>
+          </a:xfrm>
+          <a:prstGeom prst="rect">
+            <a:avLst/>
+          </a:prstGeom>
+          <a:noFill/>
+        </p:spPr>
+        <p:txBody>
+          <a:bodyPr wrap="square" rtlCol="0">
+            <a:spAutoFit/>
+          </a:bodyPr>
+          <a:lstStyle/>
+          <a:p>
+            <a:r>
+              <a:rPr lang="fr-CH" dirty="0"/>
+              <a:t>&lt; =  x2</a:t>
+            </a:r>
+          </a:p>
+        </p:txBody>
+      </p:sp>
+      <p:sp>
+        <p:nvSpPr>
+          <p:cNvPr id="26" name="ZoneTexte 25">
+            <a:extLst>
+              <a:ext uri="{FF2B5EF4-FFF2-40B4-BE49-F238E27FC236}">
+                <a16:creationId xmlns:a16="http://schemas.microsoft.com/office/drawing/2014/main" id="{0AE31B67-10A6-4C13-B5DF-7B431EE85775}"/>
+              </a:ext>
+            </a:extLst>
+          </p:cNvPr>
+          <p:cNvSpPr txBox="1"/>
+          <p:nvPr/>
+        </p:nvSpPr>
+        <p:spPr>
+          <a:xfrm>
+            <a:off x="8465822" y="2716945"/>
+            <a:ext cx="845820" cy="369332"/>
+          </a:xfrm>
+          <a:prstGeom prst="rect">
+            <a:avLst/>
+          </a:prstGeom>
+          <a:noFill/>
+        </p:spPr>
+        <p:txBody>
+          <a:bodyPr wrap="square" rtlCol="0">
+            <a:spAutoFit/>
+          </a:bodyPr>
+          <a:lstStyle/>
+          <a:p>
+            <a:r>
+              <a:rPr lang="fr-CH" dirty="0"/>
+              <a:t>&gt;  x1</a:t>
+            </a:r>
+          </a:p>
+        </p:txBody>
+      </p:sp>
+      <p:sp>
+        <p:nvSpPr>
+          <p:cNvPr id="27" name="ZoneTexte 26">
+            <a:extLst>
+              <a:ext uri="{FF2B5EF4-FFF2-40B4-BE49-F238E27FC236}">
+                <a16:creationId xmlns:a16="http://schemas.microsoft.com/office/drawing/2014/main" id="{833FDBF2-5CD7-48BA-8765-B7D7B773E0A4}"/>
+              </a:ext>
+            </a:extLst>
+          </p:cNvPr>
+          <p:cNvSpPr txBox="1"/>
+          <p:nvPr/>
+        </p:nvSpPr>
+        <p:spPr>
+          <a:xfrm>
+            <a:off x="10725150" y="4777379"/>
+            <a:ext cx="845820" cy="369332"/>
+          </a:xfrm>
+          <a:prstGeom prst="rect">
+            <a:avLst/>
+          </a:prstGeom>
+          <a:noFill/>
+        </p:spPr>
+        <p:txBody>
+          <a:bodyPr wrap="square" rtlCol="0">
+            <a:spAutoFit/>
+          </a:bodyPr>
+          <a:lstStyle/>
+          <a:p>
+            <a:r>
+              <a:rPr lang="fr-CH" dirty="0"/>
+              <a:t>&gt;  x3</a:t>
+            </a:r>
+          </a:p>
+        </p:txBody>
+      </p:sp>
+      <p:sp>
+        <p:nvSpPr>
+          <p:cNvPr id="28" name="ZoneTexte 27">
+            <a:extLst>
+              <a:ext uri="{FF2B5EF4-FFF2-40B4-BE49-F238E27FC236}">
+                <a16:creationId xmlns:a16="http://schemas.microsoft.com/office/drawing/2014/main" id="{9EDA71E8-6C76-499B-8E44-7EE9181AB902}"/>
+              </a:ext>
+            </a:extLst>
+          </p:cNvPr>
+          <p:cNvSpPr txBox="1"/>
+          <p:nvPr/>
+        </p:nvSpPr>
+        <p:spPr>
+          <a:xfrm>
+            <a:off x="4812032" y="4777379"/>
+            <a:ext cx="845820" cy="369332"/>
+          </a:xfrm>
+          <a:prstGeom prst="rect">
+            <a:avLst/>
+          </a:prstGeom>
+          <a:noFill/>
+        </p:spPr>
+        <p:txBody>
+          <a:bodyPr wrap="square" rtlCol="0">
+            <a:spAutoFit/>
+          </a:bodyPr>
+          <a:lstStyle/>
+          <a:p>
+            <a:r>
+              <a:rPr lang="fr-CH" dirty="0"/>
+              <a:t>&gt;  x2</a:t>
+            </a:r>
+          </a:p>
+        </p:txBody>
+      </p:sp>
+      <p:sp>
+        <p:nvSpPr>
+          <p:cNvPr id="30" name="ZoneTexte 29">
+            <a:extLst>
+              <a:ext uri="{FF2B5EF4-FFF2-40B4-BE49-F238E27FC236}">
+                <a16:creationId xmlns:a16="http://schemas.microsoft.com/office/drawing/2014/main" id="{9F0131A3-839A-41F2-BD48-98F27BC9556C}"/>
+              </a:ext>
+            </a:extLst>
+          </p:cNvPr>
+          <p:cNvSpPr txBox="1"/>
+          <p:nvPr/>
+        </p:nvSpPr>
+        <p:spPr>
+          <a:xfrm>
+            <a:off x="6823714" y="4777379"/>
+            <a:ext cx="845820" cy="369332"/>
+          </a:xfrm>
+          <a:prstGeom prst="rect">
+            <a:avLst/>
+          </a:prstGeom>
+          <a:noFill/>
+        </p:spPr>
+        <p:txBody>
+          <a:bodyPr wrap="square" rtlCol="0">
+            <a:spAutoFit/>
+          </a:bodyPr>
+          <a:lstStyle/>
+          <a:p>
+            <a:r>
+              <a:rPr lang="fr-CH" dirty="0"/>
+              <a:t>&lt; =  x3</a:t>
+            </a:r>
+          </a:p>
+        </p:txBody>
+      </p:sp>
     </p:spTree>
     <p:extLst>
       <p:ext uri="{BB962C8B-B14F-4D97-AF65-F5344CB8AC3E}">
@@ -9477,7 +12894,7 @@
           <p:nvPr/>
         </p:nvPicPr>
         <p:blipFill>
-          <a:blip r:embed="rId2"/>
+          <a:blip r:embed="rId3"/>
           <a:stretch>
             <a:fillRect/>
           </a:stretch>
@@ -9575,7 +12992,7 @@
           <p:nvPr/>
         </p:nvPicPr>
         <p:blipFill>
-          <a:blip r:embed="rId3"/>
+          <a:blip r:embed="rId4"/>
           <a:stretch>
             <a:fillRect/>
           </a:stretch>
@@ -9710,36 +13127,6 @@
           <p:nvPr/>
         </p:nvPicPr>
         <p:blipFill>
-          <a:blip r:embed="rId2"/>
-          <a:stretch>
-            <a:fillRect/>
-          </a:stretch>
-        </p:blipFill>
-        <p:spPr>
-          <a:xfrm>
-            <a:off x="2481307" y="1518082"/>
-            <a:ext cx="7094135" cy="4986884"/>
-          </a:xfrm>
-          <a:prstGeom prst="rect">
-            <a:avLst/>
-          </a:prstGeom>
-        </p:spPr>
-      </p:pic>
-      <p:pic>
-        <p:nvPicPr>
-          <p:cNvPr id="5" name="Image 4">
-            <a:extLst>
-              <a:ext uri="{FF2B5EF4-FFF2-40B4-BE49-F238E27FC236}">
-                <a16:creationId xmlns:a16="http://schemas.microsoft.com/office/drawing/2014/main" id="{8618BC89-409F-450C-BED9-9369A733B701}"/>
-              </a:ext>
-            </a:extLst>
-          </p:cNvPr>
-          <p:cNvPicPr>
-            <a:picLocks noChangeAspect="1"/>
-          </p:cNvPicPr>
-          <p:nvPr/>
-        </p:nvPicPr>
-        <p:blipFill>
           <a:blip r:embed="rId3"/>
           <a:stretch>
             <a:fillRect/>
@@ -9747,89 +13134,20 @@
         </p:blipFill>
         <p:spPr>
           <a:xfrm>
-            <a:off x="2481307" y="1563125"/>
-            <a:ext cx="7178088" cy="4986884"/>
+            <a:off x="2481307" y="1518082"/>
+            <a:ext cx="7094135" cy="4986884"/>
           </a:xfrm>
           <a:prstGeom prst="rect">
             <a:avLst/>
           </a:prstGeom>
         </p:spPr>
       </p:pic>
-      <p:sp>
-        <p:nvSpPr>
-          <p:cNvPr id="2" name="Titre 1">
-            <a:extLst>
-              <a:ext uri="{FF2B5EF4-FFF2-40B4-BE49-F238E27FC236}">
-                <a16:creationId xmlns:a16="http://schemas.microsoft.com/office/drawing/2014/main" id="{1F183D9E-6E66-4428-8C48-E0DEE0BAD8A8}"/>
-              </a:ext>
-            </a:extLst>
-          </p:cNvPr>
-          <p:cNvSpPr>
-            <a:spLocks noGrp="1"/>
-          </p:cNvSpPr>
-          <p:nvPr>
-            <p:ph type="title"/>
-          </p:nvPr>
-        </p:nvSpPr>
-        <p:spPr/>
-        <p:txBody>
-          <a:bodyPr/>
-          <a:lstStyle/>
-          <a:p>
-            <a:r>
-              <a:rPr lang="fr-CH" dirty="0" err="1"/>
-              <a:t>Nearest</a:t>
-            </a:r>
-            <a:r>
-              <a:rPr lang="fr-CH" dirty="0"/>
-              <a:t> </a:t>
-            </a:r>
-            <a:r>
-              <a:rPr lang="fr-CH" dirty="0" err="1"/>
-              <a:t>Centroid</a:t>
-            </a:r>
-            <a:r>
-              <a:rPr lang="fr-CH" dirty="0"/>
-              <a:t> Classifier</a:t>
-            </a:r>
-          </a:p>
-        </p:txBody>
-      </p:sp>
-      <p:sp>
-        <p:nvSpPr>
-          <p:cNvPr id="3" name="Espace réservé du numéro de diapositive 2">
-            <a:extLst>
-              <a:ext uri="{FF2B5EF4-FFF2-40B4-BE49-F238E27FC236}">
-                <a16:creationId xmlns:a16="http://schemas.microsoft.com/office/drawing/2014/main" id="{D7F8A108-07C9-4D0A-AECB-B23D34B6E09B}"/>
-              </a:ext>
-            </a:extLst>
-          </p:cNvPr>
-          <p:cNvSpPr>
-            <a:spLocks noGrp="1"/>
-          </p:cNvSpPr>
-          <p:nvPr>
-            <p:ph type="sldNum" sz="quarter" idx="12"/>
-          </p:nvPr>
-        </p:nvSpPr>
-        <p:spPr/>
-        <p:txBody>
-          <a:bodyPr/>
-          <a:lstStyle/>
-          <a:p>
-            <a:fld id="{FE21430F-B780-490E-8AA1-FAD6D24E0C3D}" type="slidenum">
-              <a:rPr lang="fr-CH" smtClean="0"/>
-              <a:t>7</a:t>
-            </a:fld>
-            <a:endParaRPr lang="fr-CH"/>
-          </a:p>
-        </p:txBody>
-      </p:sp>
       <p:pic>
         <p:nvPicPr>
-          <p:cNvPr id="4" name="Image 3">
-            <a:extLst>
-              <a:ext uri="{FF2B5EF4-FFF2-40B4-BE49-F238E27FC236}">
-                <a16:creationId xmlns:a16="http://schemas.microsoft.com/office/drawing/2014/main" id="{7BFD930C-7E24-479B-8B0F-35B3DA25ABC3}"/>
+          <p:cNvPr id="5" name="Image 4">
+            <a:extLst>
+              <a:ext uri="{FF2B5EF4-FFF2-40B4-BE49-F238E27FC236}">
+                <a16:creationId xmlns:a16="http://schemas.microsoft.com/office/drawing/2014/main" id="{8618BC89-409F-450C-BED9-9369A733B701}"/>
               </a:ext>
             </a:extLst>
           </p:cNvPr>
@@ -9840,6 +13158,105 @@
         </p:nvPicPr>
         <p:blipFill>
           <a:blip r:embed="rId4"/>
+          <a:stretch>
+            <a:fillRect/>
+          </a:stretch>
+        </p:blipFill>
+        <p:spPr>
+          <a:xfrm>
+            <a:off x="2481307" y="1563125"/>
+            <a:ext cx="7178088" cy="4986884"/>
+          </a:xfrm>
+          <a:prstGeom prst="rect">
+            <a:avLst/>
+          </a:prstGeom>
+        </p:spPr>
+      </p:pic>
+      <p:sp>
+        <p:nvSpPr>
+          <p:cNvPr id="2" name="Titre 1">
+            <a:extLst>
+              <a:ext uri="{FF2B5EF4-FFF2-40B4-BE49-F238E27FC236}">
+                <a16:creationId xmlns:a16="http://schemas.microsoft.com/office/drawing/2014/main" id="{1F183D9E-6E66-4428-8C48-E0DEE0BAD8A8}"/>
+              </a:ext>
+            </a:extLst>
+          </p:cNvPr>
+          <p:cNvSpPr>
+            <a:spLocks noGrp="1"/>
+          </p:cNvSpPr>
+          <p:nvPr>
+            <p:ph type="title"/>
+          </p:nvPr>
+        </p:nvSpPr>
+        <p:spPr/>
+        <p:txBody>
+          <a:bodyPr/>
+          <a:lstStyle/>
+          <a:p>
+            <a:r>
+              <a:rPr lang="fr-CH" dirty="0" err="1"/>
+              <a:t>Nearest</a:t>
+            </a:r>
+            <a:r>
+              <a:rPr lang="fr-CH" dirty="0"/>
+              <a:t> </a:t>
+            </a:r>
+            <a:r>
+              <a:rPr lang="fr-CH" dirty="0" err="1"/>
+              <a:t>Centroid</a:t>
+            </a:r>
+            <a:r>
+              <a:rPr lang="fr-CH" dirty="0"/>
+              <a:t> Classifier</a:t>
+            </a:r>
+          </a:p>
+        </p:txBody>
+      </p:sp>
+      <p:sp>
+        <p:nvSpPr>
+          <p:cNvPr id="3" name="Espace réservé du numéro de diapositive 2">
+            <a:extLst>
+              <a:ext uri="{FF2B5EF4-FFF2-40B4-BE49-F238E27FC236}">
+                <a16:creationId xmlns:a16="http://schemas.microsoft.com/office/drawing/2014/main" id="{D7F8A108-07C9-4D0A-AECB-B23D34B6E09B}"/>
+              </a:ext>
+            </a:extLst>
+          </p:cNvPr>
+          <p:cNvSpPr>
+            <a:spLocks noGrp="1"/>
+          </p:cNvSpPr>
+          <p:nvPr>
+            <p:ph type="sldNum" sz="quarter" idx="12"/>
+          </p:nvPr>
+        </p:nvSpPr>
+        <p:spPr/>
+        <p:txBody>
+          <a:bodyPr/>
+          <a:lstStyle/>
+          <a:p>
+            <a:fld id="{FE21430F-B780-490E-8AA1-FAD6D24E0C3D}" type="slidenum">
+              <a:rPr lang="fr-CH" smtClean="0"/>
+              <a:t>7</a:t>
+            </a:fld>
+            <a:endParaRPr lang="fr-CH"/>
+          </a:p>
+        </p:txBody>
+      </p:sp>
+      <p:pic>
+        <p:nvPicPr>
+          <p:cNvPr id="4" name="Image 3">
+            <a:extLst>
+              <a:ext uri="{FF2B5EF4-FFF2-40B4-BE49-F238E27FC236}">
+                <a16:creationId xmlns:a16="http://schemas.microsoft.com/office/drawing/2014/main" id="{7BFD930C-7E24-479B-8B0F-35B3DA25ABC3}"/>
+              </a:ext>
+            </a:extLst>
+          </p:cNvPr>
+          <p:cNvPicPr>
+            <a:picLocks noChangeAspect="1"/>
+          </p:cNvPicPr>
+          <p:nvPr/>
+        </p:nvPicPr>
+        <p:blipFill>
+          <a:blip r:embed="rId5"/>
           <a:stretch>
             <a:fillRect/>
           </a:stretch>
@@ -10237,8 +13654,13 @@
             </a:r>
             <a:r>
               <a:rPr lang="fr-CH" dirty="0"/>
-              <a:t> ranges</a:t>
-            </a:r>
+              <a:t> </a:t>
+            </a:r>
+            <a:r>
+              <a:rPr lang="fr-CH" dirty="0" err="1"/>
+              <a:t>intervals</a:t>
+            </a:r>
+            <a:endParaRPr lang="fr-CH" dirty="0"/>
           </a:p>
         </p:txBody>
       </p:sp>
@@ -10296,42 +13718,6 @@
             <a:extLst>
               <a:ext uri="{FF2B5EF4-FFF2-40B4-BE49-F238E27FC236}">
                 <a16:creationId xmlns:a16="http://schemas.microsoft.com/office/drawing/2014/main" id="{A86DA8F1-695A-404D-B85A-E0A2397B29E1}"/>
-              </a:ext>
-            </a:extLst>
-          </p:cNvPr>
-          <p:cNvPicPr>
-            <a:picLocks noChangeAspect="1"/>
-          </p:cNvPicPr>
-          <p:nvPr/>
-        </p:nvPicPr>
-        <p:blipFill>
-          <a:blip r:embed="rId2">
-            <a:extLst>
-              <a:ext uri="{28A0092B-C50C-407E-A947-70E740481C1C}">
-                <a14:useLocalDpi xmlns:a14="http://schemas.microsoft.com/office/drawing/2010/main" val="0"/>
-              </a:ext>
-            </a:extLst>
-          </a:blip>
-          <a:stretch>
-            <a:fillRect/>
-          </a:stretch>
-        </p:blipFill>
-        <p:spPr>
-          <a:xfrm>
-            <a:off x="2548963" y="4221039"/>
-            <a:ext cx="952633" cy="952633"/>
-          </a:xfrm>
-          <a:prstGeom prst="rect">
-            <a:avLst/>
-          </a:prstGeom>
-        </p:spPr>
-      </p:pic>
-      <p:pic>
-        <p:nvPicPr>
-          <p:cNvPr id="11" name="Image 10">
-            <a:extLst>
-              <a:ext uri="{FF2B5EF4-FFF2-40B4-BE49-F238E27FC236}">
-                <a16:creationId xmlns:a16="http://schemas.microsoft.com/office/drawing/2014/main" id="{0211BC56-6238-414E-B5A2-8331AF755850}"/>
               </a:ext>
             </a:extLst>
           </p:cNvPr>
@@ -10354,8 +13740,8 @@
         </p:blipFill>
         <p:spPr>
           <a:xfrm>
-            <a:off x="2644227" y="5445184"/>
-            <a:ext cx="762106" cy="762106"/>
+            <a:off x="2548963" y="4221039"/>
+            <a:ext cx="952633" cy="952633"/>
           </a:xfrm>
           <a:prstGeom prst="rect">
             <a:avLst/>
@@ -10364,10 +13750,10 @@
       </p:pic>
       <p:pic>
         <p:nvPicPr>
-          <p:cNvPr id="13" name="Image 12">
-            <a:extLst>
-              <a:ext uri="{FF2B5EF4-FFF2-40B4-BE49-F238E27FC236}">
-                <a16:creationId xmlns:a16="http://schemas.microsoft.com/office/drawing/2014/main" id="{19607C29-1048-4B30-BEAD-D08A8AE8621C}"/>
+          <p:cNvPr id="11" name="Image 10">
+            <a:extLst>
+              <a:ext uri="{FF2B5EF4-FFF2-40B4-BE49-F238E27FC236}">
+                <a16:creationId xmlns:a16="http://schemas.microsoft.com/office/drawing/2014/main" id="{0211BC56-6238-414E-B5A2-8331AF755850}"/>
               </a:ext>
             </a:extLst>
           </p:cNvPr>
@@ -10390,8 +13776,8 @@
         </p:blipFill>
         <p:spPr>
           <a:xfrm>
-            <a:off x="2701386" y="3168370"/>
-            <a:ext cx="800210" cy="800210"/>
+            <a:off x="2644227" y="5445184"/>
+            <a:ext cx="762106" cy="762106"/>
           </a:xfrm>
           <a:prstGeom prst="rect">
             <a:avLst/>
@@ -10400,10 +13786,10 @@
       </p:pic>
       <p:pic>
         <p:nvPicPr>
-          <p:cNvPr id="15" name="Image 14">
-            <a:extLst>
-              <a:ext uri="{FF2B5EF4-FFF2-40B4-BE49-F238E27FC236}">
-                <a16:creationId xmlns:a16="http://schemas.microsoft.com/office/drawing/2014/main" id="{76FD44F5-A3A1-4773-A8D7-30E859FBF589}"/>
+          <p:cNvPr id="13" name="Image 12">
+            <a:extLst>
+              <a:ext uri="{FF2B5EF4-FFF2-40B4-BE49-F238E27FC236}">
+                <a16:creationId xmlns:a16="http://schemas.microsoft.com/office/drawing/2014/main" id="{19607C29-1048-4B30-BEAD-D08A8AE8621C}"/>
               </a:ext>
             </a:extLst>
           </p:cNvPr>
@@ -10414,6 +13800,42 @@
         </p:nvPicPr>
         <p:blipFill>
           <a:blip r:embed="rId5">
+            <a:extLst>
+              <a:ext uri="{28A0092B-C50C-407E-A947-70E740481C1C}">
+                <a14:useLocalDpi xmlns:a14="http://schemas.microsoft.com/office/drawing/2010/main" val="0"/>
+              </a:ext>
+            </a:extLst>
+          </a:blip>
+          <a:stretch>
+            <a:fillRect/>
+          </a:stretch>
+        </p:blipFill>
+        <p:spPr>
+          <a:xfrm>
+            <a:off x="2701386" y="3168370"/>
+            <a:ext cx="800210" cy="800210"/>
+          </a:xfrm>
+          <a:prstGeom prst="rect">
+            <a:avLst/>
+          </a:prstGeom>
+        </p:spPr>
+      </p:pic>
+      <p:pic>
+        <p:nvPicPr>
+          <p:cNvPr id="15" name="Image 14">
+            <a:extLst>
+              <a:ext uri="{FF2B5EF4-FFF2-40B4-BE49-F238E27FC236}">
+                <a16:creationId xmlns:a16="http://schemas.microsoft.com/office/drawing/2014/main" id="{76FD44F5-A3A1-4773-A8D7-30E859FBF589}"/>
+              </a:ext>
+            </a:extLst>
+          </p:cNvPr>
+          <p:cNvPicPr>
+            <a:picLocks noChangeAspect="1"/>
+          </p:cNvPicPr>
+          <p:nvPr/>
+        </p:nvPicPr>
+        <p:blipFill>
+          <a:blip r:embed="rId6">
             <a:extLst>
               <a:ext uri="{28A0092B-C50C-407E-A947-70E740481C1C}">
                 <a14:useLocalDpi xmlns:a14="http://schemas.microsoft.com/office/drawing/2010/main" val="0"/>
@@ -11738,7 +15160,7 @@
         </p:nvSpPr>
         <p:spPr>
           <a:xfrm>
-            <a:off x="6361704" y="1858826"/>
+            <a:off x="6368054" y="1869824"/>
             <a:ext cx="1473694" cy="369332"/>
           </a:xfrm>
           <a:prstGeom prst="rect">
@@ -12197,7 +15619,7 @@
         </p:nvSpPr>
         <p:spPr>
           <a:xfrm>
-            <a:off x="10149392" y="4606664"/>
+            <a:off x="10147658" y="5541981"/>
             <a:ext cx="1473694" cy="369332"/>
           </a:xfrm>
           <a:prstGeom prst="rect">
@@ -12278,7 +15700,7 @@
         </p:nvSpPr>
         <p:spPr>
           <a:xfrm rot="10800000">
-            <a:off x="9519078" y="1690688"/>
+            <a:off x="9516702" y="3074810"/>
             <a:ext cx="630315" cy="281634"/>
           </a:xfrm>
           <a:prstGeom prst="rect">
@@ -12338,7 +15760,7 @@
         </p:nvSpPr>
         <p:spPr>
           <a:xfrm rot="10800000">
-            <a:off x="9519077" y="2112770"/>
+            <a:off x="9516702" y="1693920"/>
             <a:ext cx="630315" cy="1255925"/>
           </a:xfrm>
           <a:prstGeom prst="rect">
@@ -12398,7 +15820,7 @@
         </p:nvSpPr>
         <p:spPr>
           <a:xfrm>
-            <a:off x="10149392" y="1885766"/>
+            <a:off x="10220512" y="2873817"/>
             <a:ext cx="1473694" cy="369332"/>
           </a:xfrm>
           <a:prstGeom prst="rect">
@@ -12437,7 +15859,7 @@
         </p:nvCxnSpPr>
         <p:spPr>
           <a:xfrm>
-            <a:off x="8354980" y="2070386"/>
+            <a:off x="8405780" y="3034169"/>
             <a:ext cx="976544" cy="0"/>
           </a:xfrm>
           <a:prstGeom prst="straightConnector1">
@@ -12479,8 +15901,8 @@
         </p:nvSpPr>
         <p:spPr>
           <a:xfrm>
-            <a:off x="9517344" y="4402519"/>
-            <a:ext cx="630315" cy="281634"/>
+            <a:off x="9518251" y="5780956"/>
+            <a:ext cx="626970" cy="280515"/>
           </a:xfrm>
           <a:prstGeom prst="rect">
             <a:avLst/>
@@ -12539,7 +15961,7 @@
         </p:nvSpPr>
         <p:spPr>
           <a:xfrm>
-            <a:off x="9519077" y="4843845"/>
+            <a:off x="9518251" y="4395970"/>
             <a:ext cx="630315" cy="1220464"/>
           </a:xfrm>
           <a:prstGeom prst="rect">
@@ -12599,7 +16021,7 @@
         </p:nvCxnSpPr>
         <p:spPr>
           <a:xfrm>
-            <a:off x="8327991" y="4843845"/>
+            <a:off x="8326257" y="5692409"/>
             <a:ext cx="976544" cy="0"/>
           </a:xfrm>
           <a:prstGeom prst="straightConnector1">
@@ -12851,7 +16273,7 @@
         </p:nvSpPr>
         <p:spPr>
           <a:xfrm>
-            <a:off x="10147658" y="5139526"/>
+            <a:off x="10152738" y="5049956"/>
             <a:ext cx="1473694" cy="369332"/>
           </a:xfrm>
           <a:prstGeom prst="rect">
@@ -12890,7 +16312,7 @@
         </p:nvSpPr>
         <p:spPr>
           <a:xfrm>
-            <a:off x="10147658" y="2445032"/>
+            <a:off x="10220512" y="2367487"/>
             <a:ext cx="1473694" cy="369332"/>
           </a:xfrm>
           <a:prstGeom prst="rect">

--- a/docs/Présentation_Data_Mining.pptx
+++ b/docs/Présentation_Data_Mining.pptx
@@ -1625,73 +1625,86 @@
             </a:pPr>
             <a:r>
               <a:rPr lang="fr-CH" dirty="0"/>
-              <a:t>Introduction à Mokka (utilisation pour visualiser)</a:t>
-            </a:r>
-          </a:p>
-          <a:p>
-            <a:pPr marL="171450" indent="-171450">
+              <a:t>Les fichiers donnés sont séparés par maladie : CP (</a:t>
+            </a:r>
+            <a:r>
+              <a:rPr lang="fr-CH" dirty="0" err="1"/>
+              <a:t>celebral</a:t>
+            </a:r>
+            <a:r>
+              <a:rPr lang="fr-CH" dirty="0"/>
+              <a:t> </a:t>
+            </a:r>
+            <a:r>
+              <a:rPr lang="fr-CH" dirty="0" err="1"/>
+              <a:t>palsy</a:t>
+            </a:r>
+            <a:r>
+              <a:rPr lang="fr-CH" dirty="0"/>
+              <a:t>) – FD (</a:t>
+            </a:r>
+            <a:r>
+              <a:rPr lang="fr-CH" dirty="0" err="1"/>
+              <a:t>feet</a:t>
+            </a:r>
+            <a:r>
+              <a:rPr lang="fr-CH" dirty="0"/>
+              <a:t> </a:t>
+            </a:r>
+            <a:r>
+              <a:rPr lang="fr-CH" dirty="0" err="1"/>
+              <a:t>deformities</a:t>
+            </a:r>
+            <a:r>
+              <a:rPr lang="fr-CH" dirty="0"/>
+              <a:t>) – ITW (</a:t>
+            </a:r>
+            <a:r>
+              <a:rPr lang="fr-CH" dirty="0" err="1"/>
+              <a:t>idiopathic</a:t>
+            </a:r>
+            <a:r>
+              <a:rPr lang="fr-CH" dirty="0"/>
+              <a:t> </a:t>
+            </a:r>
+            <a:r>
+              <a:rPr lang="fr-CH" dirty="0" err="1"/>
+              <a:t>toe</a:t>
+            </a:r>
+            <a:r>
+              <a:rPr lang="fr-CH" dirty="0"/>
+              <a:t> </a:t>
+            </a:r>
+            <a:r>
+              <a:rPr lang="fr-CH" dirty="0" err="1"/>
+              <a:t>walker</a:t>
+            </a:r>
+            <a:r>
+              <a:rPr lang="fr-CH" dirty="0"/>
+              <a:t>)</a:t>
+            </a:r>
+          </a:p>
+          <a:p>
+            <a:pPr marL="171450" marR="0" lvl="0" indent="-171450" algn="l" defTabSz="914400" rtl="0" eaLnBrk="1" fontAlgn="auto" latinLnBrk="0" hangingPunct="1">
+              <a:lnSpc>
+                <a:spcPct val="100000"/>
+              </a:lnSpc>
+              <a:spcBef>
+                <a:spcPts val="0"/>
+              </a:spcBef>
+              <a:spcAft>
+                <a:spcPts val="0"/>
+              </a:spcAft>
+              <a:buClrTx/>
+              <a:buSzTx/>
               <a:buFontTx/>
               <a:buChar char="-"/>
+              <a:tabLst/>
+              <a:defRPr/>
             </a:pPr>
             <a:r>
               <a:rPr lang="fr-CH" dirty="0"/>
-              <a:t>Les fichiers donnés sont séparés par maladie : CP (</a:t>
-            </a:r>
-            <a:r>
-              <a:rPr lang="fr-CH" dirty="0" err="1"/>
-              <a:t>celebral</a:t>
-            </a:r>
-            <a:r>
-              <a:rPr lang="fr-CH" dirty="0"/>
-              <a:t> </a:t>
-            </a:r>
-            <a:r>
-              <a:rPr lang="fr-CH" dirty="0" err="1"/>
-              <a:t>palsy</a:t>
-            </a:r>
-            <a:r>
-              <a:rPr lang="fr-CH" dirty="0"/>
-              <a:t>) – FD (</a:t>
-            </a:r>
-            <a:r>
-              <a:rPr lang="fr-CH" dirty="0" err="1"/>
-              <a:t>feet</a:t>
-            </a:r>
-            <a:r>
-              <a:rPr lang="fr-CH" dirty="0"/>
-              <a:t> </a:t>
-            </a:r>
-            <a:r>
-              <a:rPr lang="fr-CH" dirty="0" err="1"/>
-              <a:t>deformities</a:t>
-            </a:r>
-            <a:r>
-              <a:rPr lang="fr-CH" dirty="0"/>
-              <a:t>) – ITW (</a:t>
-            </a:r>
-            <a:r>
-              <a:rPr lang="fr-CH" dirty="0" err="1"/>
-              <a:t>idiopathic</a:t>
-            </a:r>
-            <a:r>
-              <a:rPr lang="fr-CH" dirty="0"/>
-              <a:t> </a:t>
-            </a:r>
-            <a:r>
-              <a:rPr lang="fr-CH" dirty="0" err="1"/>
-              <a:t>toe</a:t>
-            </a:r>
-            <a:r>
-              <a:rPr lang="fr-CH" dirty="0"/>
-              <a:t> </a:t>
-            </a:r>
-            <a:r>
-              <a:rPr lang="fr-CH" dirty="0" err="1"/>
-              <a:t>walker</a:t>
-            </a:r>
-            <a:r>
-              <a:rPr lang="fr-CH" dirty="0"/>
-              <a:t>)</a:t>
+              <a:t>Introduction à Mokka (utilisation pour visualiser)</a:t>
             </a:r>
           </a:p>
           <a:p>
@@ -2478,7 +2491,7 @@
           <a:p>
             <a:r>
               <a:rPr lang="fr-CH" dirty="0"/>
-              <a:t>-   NOUS AVONS UTILISE CETTE METHODE</a:t>
+              <a:t>-   Nous utiliserons ce classifier</a:t>
             </a:r>
           </a:p>
         </p:txBody>
@@ -2569,7 +2582,7 @@
             </a:pPr>
             <a:r>
               <a:rPr lang="fr-CH" dirty="0"/>
-              <a:t>Pour la phase d’apprentissage, nous avons séparer les maladies afin d’étudier les démarches selon la pathologie</a:t>
+              <a:t>1) Pour la phase d’apprentissage, nous avons séparer les maladies afin d’étudier les démarches selon la pathologie</a:t>
             </a:r>
           </a:p>
           <a:p>
@@ -2579,15 +2592,15 @@
             </a:pPr>
             <a:r>
               <a:rPr lang="fr-CH" dirty="0"/>
-              <a:t>De plus nous avons appris sur les données déjà annotées et ou il manque des </a:t>
+              <a:t>Ensuite nous avons appris sur les données déjà annotées [donnés par </a:t>
             </a:r>
             <a:r>
               <a:rPr lang="fr-CH" dirty="0" err="1"/>
-              <a:t>evenements</a:t>
+              <a:t>sofamehack</a:t>
             </a:r>
             <a:r>
               <a:rPr lang="fr-CH" dirty="0"/>
-              <a:t> et nous avons ajouté des </a:t>
+              <a:t>] et nous avons ajouté des label </a:t>
             </a:r>
             <a:r>
               <a:rPr lang="fr-CH" dirty="0" err="1"/>
@@ -2595,13 +2608,16 @@
             </a:r>
             <a:r>
               <a:rPr lang="fr-CH" dirty="0"/>
-              <a:t> ou nous étions sur que pas real </a:t>
+              <a:t>  avant et après des </a:t>
             </a:r>
             <a:r>
               <a:rPr lang="fr-CH" dirty="0" err="1"/>
-              <a:t>event</a:t>
-            </a:r>
-            <a:endParaRPr lang="fr-CH" dirty="0"/>
+              <a:t>events</a:t>
+            </a:r>
+            <a:r>
+              <a:rPr lang="fr-CH" dirty="0"/>
+              <a:t> annotés en prenant un intervalle</a:t>
+            </a:r>
           </a:p>
           <a:p>
             <a:pPr marL="171450" indent="-171450">
@@ -2610,7 +2626,7 @@
             </a:pPr>
             <a:r>
               <a:rPr lang="fr-CH" dirty="0"/>
-              <a:t>Selon les différentes maladies nous avons sélectionné différents capteurs (on les verra par la suite) afin d’avoir les meilleurs résultats possibles</a:t>
+              <a:t>2) Puis selon les différentes maladies nous avons sélectionné différents capteurs (on les verra par la suite) afin d’avoir les meilleurs résultats possibles</a:t>
             </a:r>
           </a:p>
           <a:p>
@@ -2620,7 +2636,15 @@
             </a:pPr>
             <a:r>
               <a:rPr lang="fr-CH" dirty="0"/>
-              <a:t>Ensuite on prédit à l’aide de </a:t>
+              <a:t>3) Nous avons ensuite effectué la </a:t>
+            </a:r>
+            <a:r>
+              <a:rPr lang="fr-CH" dirty="0" err="1"/>
+              <a:t>prediction</a:t>
+            </a:r>
+            <a:r>
+              <a:rPr lang="fr-CH" dirty="0"/>
+              <a:t> à l’aide de </a:t>
             </a:r>
             <a:r>
               <a:rPr lang="fr-CH" dirty="0" err="1"/>
@@ -2636,13 +2660,24 @@
             </a:r>
             <a:r>
               <a:rPr lang="fr-CH" dirty="0"/>
-              <a:t> et on obtient des intervalles d’</a:t>
+              <a:t> classifier et nous obtenons ainsi des intervalles d’</a:t>
             </a:r>
             <a:r>
               <a:rPr lang="fr-CH" dirty="0" err="1"/>
               <a:t>event</a:t>
             </a:r>
-            <a:endParaRPr lang="fr-CH" dirty="0"/>
+            <a:r>
+              <a:rPr lang="fr-CH" dirty="0"/>
+              <a:t> et on est sur qu’il y ait l’</a:t>
+            </a:r>
+            <a:r>
+              <a:rPr lang="fr-CH" dirty="0" err="1"/>
+              <a:t>event</a:t>
+            </a:r>
+            <a:r>
+              <a:rPr lang="fr-CH" dirty="0"/>
+              <a:t> associé dans l’intervalle</a:t>
+            </a:r>
           </a:p>
           <a:p>
             <a:pPr marL="171450" indent="-171450">
@@ -2651,15 +2686,7 @@
             </a:pPr>
             <a:r>
               <a:rPr lang="fr-CH" dirty="0"/>
-              <a:t>Nous choisissons ensuite les </a:t>
-            </a:r>
-            <a:r>
-              <a:rPr lang="fr-CH" dirty="0" err="1"/>
-              <a:t>events</a:t>
-            </a:r>
-            <a:r>
-              <a:rPr lang="fr-CH" dirty="0"/>
-              <a:t> à prédire (-&gt; autre slide)</a:t>
+              <a:t>4) Nous choisissons ensuite une frame précise dans chaque intervalle</a:t>
             </a:r>
           </a:p>
         </p:txBody>
@@ -2804,15 +2831,7 @@
             </a:r>
             <a:r>
               <a:rPr lang="fr-CH" dirty="0"/>
-              <a:t> :  on choisit en on calcule le strike selon les moyennes </a:t>
-            </a:r>
-            <a:r>
-              <a:rPr lang="fr-CH" dirty="0" err="1"/>
-              <a:t>consernant</a:t>
-            </a:r>
-            <a:r>
-              <a:rPr lang="fr-CH" dirty="0"/>
-              <a:t> la marche du patient (observation  de régularité dans la marche)</a:t>
+              <a:t> :  on choisit en on calcule le strike selon des moyennes concernant la marche du patient (observation  de régularité dans la marche)</a:t>
             </a:r>
           </a:p>
           <a:p>
@@ -2822,8 +2841,13 @@
             </a:pPr>
             <a:r>
               <a:rPr lang="fr-CH" dirty="0"/>
-              <a:t>3 ) Que des Foot Strike</a:t>
-            </a:r>
+              <a:t>3 ) Que des Foot Strike on fait de </a:t>
+            </a:r>
+            <a:r>
+              <a:rPr lang="fr-CH" dirty="0" err="1"/>
+              <a:t>meme</a:t>
+            </a:r>
+            <a:endParaRPr lang="fr-CH" dirty="0"/>
           </a:p>
         </p:txBody>
       </p:sp>
